--- a/DSE 200X_ Mini Project Presentation - Rohith Soman.pptx
+++ b/DSE 200X_ Mini Project Presentation - Rohith Soman.pptx
@@ -5,7 +5,7 @@
     <p:sldMasterId id="2147483659" r:id="rId1"/>
   </p:sldMasterIdLst>
   <p:notesMasterIdLst>
-    <p:notesMasterId r:id="rId10"/>
+    <p:notesMasterId r:id="rId12"/>
   </p:notesMasterIdLst>
   <p:sldIdLst>
     <p:sldId id="256" r:id="rId2"/>
@@ -13,9 +13,11 @@
     <p:sldId id="258" r:id="rId4"/>
     <p:sldId id="259" r:id="rId5"/>
     <p:sldId id="260" r:id="rId6"/>
-    <p:sldId id="263" r:id="rId7"/>
-    <p:sldId id="261" r:id="rId8"/>
-    <p:sldId id="262" r:id="rId9"/>
+    <p:sldId id="264" r:id="rId7"/>
+    <p:sldId id="263" r:id="rId8"/>
+    <p:sldId id="265" r:id="rId9"/>
+    <p:sldId id="261" r:id="rId10"/>
+    <p:sldId id="262" r:id="rId11"/>
   </p:sldIdLst>
   <p:sldSz cx="9144000" cy="5143500" type="screen16x9"/>
   <p:notesSz cx="6858000" cy="9144000"/>
@@ -250,10 +252,16 @@
   </p:defaultTextStyle>
   <p:extLst>
     <p:ext uri="{EFAFB233-063F-42B5-8137-9DF3F51BA10A}">
-      <p15:sldGuideLst xmlns:p15="http://schemas.microsoft.com/office/powerpoint/2012/main"/>
+      <p15:sldGuideLst xmlns="" xmlns:p15="http://schemas.microsoft.com/office/powerpoint/2012/main"/>
     </p:ext>
   </p:extLst>
 </p:presentation>
+</file>
+
+<file path=ppt/commentAuthors.xml><?xml version="1.0" encoding="utf-8"?>
+<p:cmAuthorLst xmlns:a="http://schemas.openxmlformats.org/drawingml/2006/main" xmlns:r="http://schemas.openxmlformats.org/officeDocument/2006/relationships" xmlns:p="http://schemas.openxmlformats.org/presentationml/2006/main">
+  <p:cmAuthor id="0" name="Admin" initials="A" lastIdx="1" clrIdx="0"/>
+</p:cmAuthorLst>
 </file>
 
 <file path=ppt/revisionInfo.xml><?xml version="1.0" encoding="utf-8"?>
@@ -465,6 +473,11 @@
         </p:txBody>
       </p:sp>
     </p:spTree>
+    <p:extLst>
+      <p:ext uri="{BB962C8B-B14F-4D97-AF65-F5344CB8AC3E}">
+        <p14:creationId xmlns:p14="http://schemas.microsoft.com/office/powerpoint/2010/main" xmlns="" val="3231326449"/>
+      </p:ext>
+    </p:extLst>
   </p:cSld>
   <p:clrMap bg1="lt1" tx1="dk1" bg2="dk2" tx2="lt2" accent1="accent1" accent2="accent2" accent3="accent3" accent4="accent4" accent5="accent5" accent6="accent6" hlink="hlink" folHlink="folHlink"/>
   <p:notesStyle>
@@ -1318,7 +1331,7 @@
     </p:spTree>
     <p:extLst>
       <p:ext uri="{BB962C8B-B14F-4D97-AF65-F5344CB8AC3E}">
-        <p14:creationId xmlns:p14="http://schemas.microsoft.com/office/powerpoint/2010/main" val="2888418677"/>
+        <p14:creationId xmlns:p14="http://schemas.microsoft.com/office/powerpoint/2010/main" xmlns="" val="2888418677"/>
       </p:ext>
     </p:extLst>
   </p:cSld>
@@ -1907,6 +1920,15 @@
             </a:pPr>
             <a:fld id="{00000000-1234-1234-1234-123412341234}" type="slidenum">
               <a:rPr lang="en"/>
+              <a:pPr marL="0" lvl="0" indent="0" algn="r" rtl="0">
+                <a:spcBef>
+                  <a:spcPts val="0"/>
+                </a:spcBef>
+                <a:spcAft>
+                  <a:spcPts val="0"/>
+                </a:spcAft>
+                <a:buNone/>
+              </a:pPr>
               <a:t>‹#›</a:t>
             </a:fld>
             <a:endParaRPr/>
@@ -2267,6 +2289,15 @@
             </a:pPr>
             <a:fld id="{00000000-1234-1234-1234-123412341234}" type="slidenum">
               <a:rPr lang="en"/>
+              <a:pPr marL="0" lvl="0" indent="0" algn="r" rtl="0">
+                <a:spcBef>
+                  <a:spcPts val="0"/>
+                </a:spcBef>
+                <a:spcAft>
+                  <a:spcPts val="0"/>
+                </a:spcAft>
+                <a:buNone/>
+              </a:pPr>
               <a:t>‹#›</a:t>
             </a:fld>
             <a:endParaRPr/>
@@ -2371,6 +2402,15 @@
             </a:pPr>
             <a:fld id="{00000000-1234-1234-1234-123412341234}" type="slidenum">
               <a:rPr lang="en"/>
+              <a:pPr marL="0" lvl="0" indent="0" algn="r" rtl="0">
+                <a:spcBef>
+                  <a:spcPts val="0"/>
+                </a:spcBef>
+                <a:spcAft>
+                  <a:spcPts val="0"/>
+                </a:spcAft>
+                <a:buNone/>
+              </a:pPr>
               <a:t>‹#›</a:t>
             </a:fld>
             <a:endParaRPr/>
@@ -2602,6 +2642,15 @@
             </a:pPr>
             <a:fld id="{00000000-1234-1234-1234-123412341234}" type="slidenum">
               <a:rPr lang="en"/>
+              <a:pPr marL="0" lvl="0" indent="0" algn="r" rtl="0">
+                <a:spcBef>
+                  <a:spcPts val="0"/>
+                </a:spcBef>
+                <a:spcAft>
+                  <a:spcPts val="0"/>
+                </a:spcAft>
+                <a:buNone/>
+              </a:pPr>
               <a:t>‹#›</a:t>
             </a:fld>
             <a:endParaRPr/>
@@ -2960,6 +3009,15 @@
             </a:pPr>
             <a:fld id="{00000000-1234-1234-1234-123412341234}" type="slidenum">
               <a:rPr lang="en"/>
+              <a:pPr marL="0" lvl="0" indent="0" algn="r" rtl="0">
+                <a:spcBef>
+                  <a:spcPts val="0"/>
+                </a:spcBef>
+                <a:spcAft>
+                  <a:spcPts val="0"/>
+                </a:spcAft>
+                <a:buNone/>
+              </a:pPr>
               <a:t>‹#›</a:t>
             </a:fld>
             <a:endParaRPr/>
@@ -3445,6 +3503,15 @@
             </a:pPr>
             <a:fld id="{00000000-1234-1234-1234-123412341234}" type="slidenum">
               <a:rPr lang="en"/>
+              <a:pPr marL="0" lvl="0" indent="0" algn="r" rtl="0">
+                <a:spcBef>
+                  <a:spcPts val="0"/>
+                </a:spcBef>
+                <a:spcAft>
+                  <a:spcPts val="0"/>
+                </a:spcAft>
+                <a:buNone/>
+              </a:pPr>
               <a:t>‹#›</a:t>
             </a:fld>
             <a:endParaRPr/>
@@ -3676,6 +3743,15 @@
             </a:pPr>
             <a:fld id="{00000000-1234-1234-1234-123412341234}" type="slidenum">
               <a:rPr lang="en"/>
+              <a:pPr marL="0" lvl="0" indent="0" algn="r" rtl="0">
+                <a:spcBef>
+                  <a:spcPts val="0"/>
+                </a:spcBef>
+                <a:spcAft>
+                  <a:spcPts val="0"/>
+                </a:spcAft>
+                <a:buNone/>
+              </a:pPr>
               <a:t>‹#›</a:t>
             </a:fld>
             <a:endParaRPr/>
@@ -4034,6 +4110,15 @@
             </a:pPr>
             <a:fld id="{00000000-1234-1234-1234-123412341234}" type="slidenum">
               <a:rPr lang="en"/>
+              <a:pPr marL="0" lvl="0" indent="0" algn="r" rtl="0">
+                <a:spcBef>
+                  <a:spcPts val="0"/>
+                </a:spcBef>
+                <a:spcAft>
+                  <a:spcPts val="0"/>
+                </a:spcAft>
+                <a:buNone/>
+              </a:pPr>
               <a:t>‹#›</a:t>
             </a:fld>
             <a:endParaRPr/>
@@ -4265,6 +4350,15 @@
             </a:pPr>
             <a:fld id="{00000000-1234-1234-1234-123412341234}" type="slidenum">
               <a:rPr lang="en"/>
+              <a:pPr marL="0" lvl="0" indent="0" algn="r" rtl="0">
+                <a:spcBef>
+                  <a:spcPts val="0"/>
+                </a:spcBef>
+                <a:spcAft>
+                  <a:spcPts val="0"/>
+                </a:spcAft>
+                <a:buNone/>
+              </a:pPr>
               <a:t>‹#›</a:t>
             </a:fld>
             <a:endParaRPr/>
@@ -4817,6 +4911,15 @@
             </a:pPr>
             <a:fld id="{00000000-1234-1234-1234-123412341234}" type="slidenum">
               <a:rPr lang="en"/>
+              <a:pPr marL="0" lvl="0" indent="0" algn="r" rtl="0">
+                <a:spcBef>
+                  <a:spcPts val="0"/>
+                </a:spcBef>
+                <a:spcAft>
+                  <a:spcPts val="0"/>
+                </a:spcAft>
+                <a:buNone/>
+              </a:pPr>
               <a:t>‹#›</a:t>
             </a:fld>
             <a:endParaRPr/>
@@ -4963,6 +5066,15 @@
             </a:pPr>
             <a:fld id="{00000000-1234-1234-1234-123412341234}" type="slidenum">
               <a:rPr lang="en"/>
+              <a:pPr marL="0" lvl="0" indent="0" algn="r" rtl="0">
+                <a:spcBef>
+                  <a:spcPts val="0"/>
+                </a:spcBef>
+                <a:spcAft>
+                  <a:spcPts val="0"/>
+                </a:spcAft>
+                <a:buNone/>
+              </a:pPr>
               <a:t>‹#›</a:t>
             </a:fld>
             <a:endParaRPr/>
@@ -5530,6 +5642,15 @@
             </a:pPr>
             <a:fld id="{00000000-1234-1234-1234-123412341234}" type="slidenum">
               <a:rPr lang="en"/>
+              <a:pPr marL="0" lvl="0" indent="0" algn="r" rtl="0">
+                <a:spcBef>
+                  <a:spcPts val="0"/>
+                </a:spcBef>
+                <a:spcAft>
+                  <a:spcPts val="0"/>
+                </a:spcAft>
+                <a:buNone/>
+              </a:pPr>
               <a:t>‹#›</a:t>
             </a:fld>
             <a:endParaRPr/>
@@ -6297,10 +6418,14 @@
               <a:buNone/>
             </a:pPr>
             <a:r>
-              <a:rPr lang="en-US" sz="4000" dirty="0"/>
+              <a:rPr lang="en-US" sz="4000" dirty="0">
+                <a:latin typeface="Garamond" pitchFamily="18" charset="0"/>
+              </a:rPr>
               <a:t>Does India prosper as the number of people being Educated at least at a primary level increase?</a:t>
             </a:r>
-            <a:endParaRPr sz="4000" dirty="0"/>
+            <a:endParaRPr sz="4000" dirty="0">
+              <a:latin typeface="Garamond" pitchFamily="18" charset="0"/>
+            </a:endParaRPr>
           </a:p>
         </p:txBody>
       </p:sp>
@@ -6339,10 +6464,22 @@
               <a:buNone/>
             </a:pPr>
             <a:r>
-              <a:rPr lang="en-US" dirty="0"/>
+              <a:rPr lang="en-US" dirty="0">
+                <a:solidFill>
+                  <a:schemeClr val="tx1"/>
+                </a:solidFill>
+                <a:latin typeface="Calisto MT" pitchFamily="18" charset="0"/>
+                <a:cs typeface="Times New Roman" pitchFamily="18" charset="0"/>
+              </a:rPr>
               <a:t>Rohith Soman</a:t>
             </a:r>
-            <a:endParaRPr dirty="0"/>
+            <a:endParaRPr dirty="0">
+              <a:solidFill>
+                <a:schemeClr val="tx1"/>
+              </a:solidFill>
+              <a:latin typeface="Calisto MT" pitchFamily="18" charset="0"/>
+              <a:cs typeface="Times New Roman" pitchFamily="18" charset="0"/>
+            </a:endParaRPr>
           </a:p>
         </p:txBody>
       </p:sp>
@@ -6351,6 +6488,206 @@
   <p:clrMapOvr>
     <a:masterClrMapping/>
   </p:clrMapOvr>
+</p:sld>
+</file>
+
+<file path=ppt/slides/slide10.xml><?xml version="1.0" encoding="utf-8"?>
+<p:sld xmlns:a="http://schemas.openxmlformats.org/drawingml/2006/main" xmlns:r="http://schemas.openxmlformats.org/officeDocument/2006/relationships" xmlns:p="http://schemas.openxmlformats.org/presentationml/2006/main">
+  <p:cSld>
+    <p:spTree>
+      <p:nvGrpSpPr>
+        <p:cNvPr id="1" name="Shape 90"/>
+        <p:cNvGrpSpPr/>
+        <p:nvPr/>
+      </p:nvGrpSpPr>
+      <p:grpSpPr>
+        <a:xfrm>
+          <a:off x="0" y="0"/>
+          <a:ext cx="0" cy="0"/>
+          <a:chOff x="0" y="0"/>
+          <a:chExt cx="0" cy="0"/>
+        </a:xfrm>
+      </p:grpSpPr>
+      <p:sp>
+        <p:nvSpPr>
+          <p:cNvPr id="91" name="Google Shape;91;p19"/>
+          <p:cNvSpPr txBox="1">
+            <a:spLocks noGrp="1"/>
+          </p:cNvSpPr>
+          <p:nvPr>
+            <p:ph type="title"/>
+          </p:nvPr>
+        </p:nvSpPr>
+        <p:spPr>
+          <a:xfrm>
+            <a:off x="311700" y="445025"/>
+            <a:ext cx="8520600" cy="572700"/>
+          </a:xfrm>
+          <a:prstGeom prst="rect">
+            <a:avLst/>
+          </a:prstGeom>
+        </p:spPr>
+        <p:txBody>
+          <a:bodyPr spcFirstLastPara="1" wrap="square" lIns="91425" tIns="91425" rIns="91425" bIns="91425" anchor="t" anchorCtr="0">
+            <a:noAutofit/>
+          </a:bodyPr>
+          <a:lstStyle/>
+          <a:p>
+            <a:pPr marL="0" lvl="0" indent="0" algn="ctr" rtl="0">
+              <a:spcBef>
+                <a:spcPts val="0"/>
+              </a:spcBef>
+              <a:spcAft>
+                <a:spcPts val="0"/>
+              </a:spcAft>
+              <a:buNone/>
+            </a:pPr>
+            <a:r>
+              <a:rPr lang="en" b="1" dirty="0">
+                <a:latin typeface="Garamond" pitchFamily="18" charset="0"/>
+              </a:rPr>
+              <a:t>References</a:t>
+            </a:r>
+            <a:endParaRPr b="1" dirty="0">
+              <a:latin typeface="Garamond" pitchFamily="18" charset="0"/>
+            </a:endParaRPr>
+          </a:p>
+        </p:txBody>
+      </p:sp>
+      <p:sp>
+        <p:nvSpPr>
+          <p:cNvPr id="92" name="Google Shape;92;p19"/>
+          <p:cNvSpPr txBox="1">
+            <a:spLocks noGrp="1"/>
+          </p:cNvSpPr>
+          <p:nvPr>
+            <p:ph type="body" idx="1"/>
+          </p:nvPr>
+        </p:nvSpPr>
+        <p:spPr>
+          <a:xfrm>
+            <a:off x="311700" y="1152475"/>
+            <a:ext cx="8520600" cy="3416400"/>
+          </a:xfrm>
+          <a:prstGeom prst="rect">
+            <a:avLst/>
+          </a:prstGeom>
+        </p:spPr>
+        <p:txBody>
+          <a:bodyPr spcFirstLastPara="1" wrap="square" lIns="91425" tIns="91425" rIns="91425" bIns="91425" anchor="t" anchorCtr="0">
+            <a:noAutofit/>
+          </a:bodyPr>
+          <a:lstStyle/>
+          <a:p>
+            <a:pPr marL="285750" indent="-285750">
+              <a:spcAft>
+                <a:spcPts val="1600"/>
+              </a:spcAft>
+            </a:pPr>
+            <a:r>
+              <a:rPr lang="en-US" dirty="0">
+                <a:solidFill>
+                  <a:schemeClr val="tx1"/>
+                </a:solidFill>
+                <a:latin typeface="Times New Roman" pitchFamily="18" charset="0"/>
+                <a:cs typeface="Times New Roman" pitchFamily="18" charset="0"/>
+              </a:rPr>
+              <a:t>Things I have learned throughout this class</a:t>
+            </a:r>
+          </a:p>
+          <a:p>
+            <a:pPr marL="285750" indent="-285750">
+              <a:spcAft>
+                <a:spcPts val="1600"/>
+              </a:spcAft>
+            </a:pPr>
+            <a:r>
+              <a:rPr lang="en-US" dirty="0">
+                <a:solidFill>
+                  <a:schemeClr val="tx1"/>
+                </a:solidFill>
+                <a:latin typeface="Times New Roman" pitchFamily="18" charset="0"/>
+                <a:cs typeface="Times New Roman" pitchFamily="18" charset="0"/>
+              </a:rPr>
+              <a:t>Pandas Documentation </a:t>
+            </a:r>
+            <a:r>
+              <a:rPr lang="en-US" dirty="0">
+                <a:solidFill>
+                  <a:schemeClr val="tx1"/>
+                </a:solidFill>
+                <a:latin typeface="Times New Roman" pitchFamily="18" charset="0"/>
+                <a:cs typeface="Times New Roman" pitchFamily="18" charset="0"/>
+                <a:hlinkClick r:id="rId3"/>
+              </a:rPr>
+              <a:t>https://pandas.pydata.org/pandas-docs/stable/</a:t>
+            </a:r>
+            <a:endParaRPr lang="en-US" dirty="0">
+              <a:solidFill>
+                <a:schemeClr val="tx1"/>
+              </a:solidFill>
+              <a:latin typeface="Times New Roman" pitchFamily="18" charset="0"/>
+              <a:cs typeface="Times New Roman" pitchFamily="18" charset="0"/>
+            </a:endParaRPr>
+          </a:p>
+          <a:p>
+            <a:pPr marL="285750" indent="-285750">
+              <a:spcAft>
+                <a:spcPts val="1600"/>
+              </a:spcAft>
+            </a:pPr>
+            <a:r>
+              <a:rPr lang="en-US" dirty="0">
+                <a:solidFill>
+                  <a:schemeClr val="tx1"/>
+                </a:solidFill>
+                <a:latin typeface="Times New Roman" pitchFamily="18" charset="0"/>
+                <a:cs typeface="Times New Roman" pitchFamily="18" charset="0"/>
+              </a:rPr>
+              <a:t>Matplotlib Documentation </a:t>
+            </a:r>
+            <a:r>
+              <a:rPr lang="en-US" dirty="0">
+                <a:solidFill>
+                  <a:schemeClr val="tx1"/>
+                </a:solidFill>
+                <a:latin typeface="Times New Roman" pitchFamily="18" charset="0"/>
+                <a:cs typeface="Times New Roman" pitchFamily="18" charset="0"/>
+                <a:hlinkClick r:id="rId4"/>
+              </a:rPr>
+              <a:t>https://matplotlib.org/contents.html</a:t>
+            </a:r>
+            <a:endParaRPr lang="en-US" dirty="0">
+              <a:solidFill>
+                <a:schemeClr val="tx1"/>
+              </a:solidFill>
+              <a:latin typeface="Times New Roman" pitchFamily="18" charset="0"/>
+              <a:cs typeface="Times New Roman" pitchFamily="18" charset="0"/>
+            </a:endParaRPr>
+          </a:p>
+          <a:p>
+            <a:pPr marL="0" indent="0">
+              <a:spcAft>
+                <a:spcPts val="1600"/>
+              </a:spcAft>
+              <a:buNone/>
+            </a:pPr>
+            <a:endParaRPr dirty="0"/>
+          </a:p>
+        </p:txBody>
+      </p:sp>
+    </p:spTree>
+  </p:cSld>
+  <p:clrMapOvr>
+    <a:masterClrMapping/>
+  </p:clrMapOvr>
+  <p:timing>
+    <p:tnLst>
+      <p:par>
+        <p:cTn id="1" dur="indefinite" restart="never" nodeType="tmRoot"/>
+      </p:par>
+    </p:tnLst>
+  </p:timing>
 </p:sld>
 </file>
 
@@ -6406,14 +6743,20 @@
               <a:buNone/>
             </a:pPr>
             <a:r>
-              <a:rPr lang="en" sz="3200" dirty="0"/>
+              <a:rPr lang="en" sz="4000" b="1" dirty="0">
+                <a:latin typeface="Garamond" pitchFamily="18" charset="0"/>
+              </a:rPr>
               <a:t>Datase</a:t>
             </a:r>
             <a:r>
-              <a:rPr lang="en-US" sz="3200" dirty="0"/>
+              <a:rPr lang="en-US" sz="4000" b="1" dirty="0">
+                <a:latin typeface="Garamond" pitchFamily="18" charset="0"/>
+              </a:rPr>
               <a:t>t</a:t>
             </a:r>
-            <a:endParaRPr sz="3200" dirty="0"/>
+            <a:endParaRPr sz="4000" b="1" dirty="0">
+              <a:latin typeface="Garamond" pitchFamily="18" charset="0"/>
+            </a:endParaRPr>
           </a:p>
         </p:txBody>
       </p:sp>
@@ -6492,14 +6835,32 @@
               <a:buNone/>
             </a:pPr>
             <a:r>
-              <a:rPr lang="en-US" sz="2400" dirty="0"/>
+              <a:rPr lang="en-US" sz="2400" dirty="0">
+                <a:solidFill>
+                  <a:schemeClr val="tx1"/>
+                </a:solidFill>
+                <a:latin typeface="Times New Roman" pitchFamily="18" charset="0"/>
+                <a:cs typeface="Times New Roman" pitchFamily="18" charset="0"/>
+              </a:rPr>
               <a:t>Wo</a:t>
             </a:r>
             <a:r>
-              <a:rPr lang="en" sz="2400" dirty="0"/>
+              <a:rPr lang="en" sz="2400" dirty="0">
+                <a:solidFill>
+                  <a:schemeClr val="tx1"/>
+                </a:solidFill>
+                <a:latin typeface="Times New Roman" pitchFamily="18" charset="0"/>
+                <a:cs typeface="Times New Roman" pitchFamily="18" charset="0"/>
+              </a:rPr>
               <a:t>rld Development Indicators Dataset</a:t>
             </a:r>
-            <a:endParaRPr sz="2400" dirty="0"/>
+            <a:endParaRPr sz="2400" dirty="0">
+              <a:solidFill>
+                <a:schemeClr val="tx1"/>
+              </a:solidFill>
+              <a:latin typeface="Times New Roman" pitchFamily="18" charset="0"/>
+              <a:cs typeface="Times New Roman" pitchFamily="18" charset="0"/>
+            </a:endParaRPr>
           </a:p>
           <a:p>
             <a:pPr marL="0" lvl="0" indent="0" algn="l" rtl="0">
@@ -6575,10 +6936,14 @@
               <a:buNone/>
             </a:pPr>
             <a:r>
-              <a:rPr lang="en" dirty="0"/>
+              <a:rPr lang="en" b="1" dirty="0">
+                <a:latin typeface="Garamond" pitchFamily="18" charset="0"/>
+              </a:rPr>
               <a:t>Motivation</a:t>
             </a:r>
-            <a:endParaRPr dirty="0"/>
+            <a:endParaRPr b="1" dirty="0">
+              <a:latin typeface="Garamond" pitchFamily="18" charset="0"/>
+            </a:endParaRPr>
           </a:p>
         </p:txBody>
       </p:sp>
@@ -6594,7 +6959,7 @@
         </p:nvSpPr>
         <p:spPr>
           <a:xfrm>
-            <a:off x="311700" y="894635"/>
+            <a:off x="199728" y="894635"/>
             <a:ext cx="8832300" cy="4248865"/>
           </a:xfrm>
           <a:prstGeom prst="rect">
@@ -6607,7 +6972,7 @@
           </a:bodyPr>
           <a:lstStyle/>
           <a:p>
-            <a:pPr marL="0" lvl="0" indent="0" algn="l" rtl="0">
+            <a:pPr marL="0" lvl="0" indent="0" algn="just" rtl="0">
               <a:spcBef>
                 <a:spcPts val="0"/>
               </a:spcBef>
@@ -6617,12 +6982,58 @@
               <a:buNone/>
             </a:pPr>
             <a:r>
-              <a:rPr lang="en-US" dirty="0"/>
-              <a:t>Indians are usually considered smart. But still there are a lot of people who are mostly in a backward position in the community who do not have access to even primary education or simply can’t afford it. The Govt has been taking measures to tackle these problems by opening more and more Govt operated schools and provide basic education to the people for free. </a:t>
+              <a:rPr lang="en-US" dirty="0">
+                <a:solidFill>
+                  <a:schemeClr val="tx1"/>
+                </a:solidFill>
+                <a:latin typeface="Times New Roman" pitchFamily="18" charset="0"/>
+                <a:cs typeface="Times New Roman" pitchFamily="18" charset="0"/>
+              </a:rPr>
+              <a:t>Indians are usually considered smart. But still there are a lot of people who are mostly in a backward position in the community who do not have access to even primary education or simply can’t afford it. The </a:t>
             </a:r>
-          </a:p>
-          <a:p>
-            <a:pPr marL="0" lvl="0" indent="0" algn="l" rtl="0">
+            <a:r>
+              <a:rPr lang="en-US" dirty="0" smtClean="0">
+                <a:solidFill>
+                  <a:schemeClr val="tx1"/>
+                </a:solidFill>
+                <a:latin typeface="Times New Roman" pitchFamily="18" charset="0"/>
+                <a:cs typeface="Times New Roman" pitchFamily="18" charset="0"/>
+              </a:rPr>
+              <a:t>Govt. </a:t>
+            </a:r>
+            <a:r>
+              <a:rPr lang="en-US" dirty="0">
+                <a:solidFill>
+                  <a:schemeClr val="tx1"/>
+                </a:solidFill>
+                <a:latin typeface="Times New Roman" pitchFamily="18" charset="0"/>
+                <a:cs typeface="Times New Roman" pitchFamily="18" charset="0"/>
+              </a:rPr>
+              <a:t>has been taking measures to tackle these problems by opening more and more </a:t>
+            </a:r>
+            <a:r>
+              <a:rPr lang="en-US" dirty="0" smtClean="0">
+                <a:solidFill>
+                  <a:schemeClr val="tx1"/>
+                </a:solidFill>
+                <a:latin typeface="Times New Roman" pitchFamily="18" charset="0"/>
+                <a:cs typeface="Times New Roman" pitchFamily="18" charset="0"/>
+              </a:rPr>
+              <a:t>Govt. </a:t>
+            </a:r>
+            <a:r>
+              <a:rPr lang="en-US" dirty="0">
+                <a:solidFill>
+                  <a:schemeClr val="tx1"/>
+                </a:solidFill>
+                <a:latin typeface="Times New Roman" pitchFamily="18" charset="0"/>
+                <a:cs typeface="Times New Roman" pitchFamily="18" charset="0"/>
+              </a:rPr>
+              <a:t>operated schools and provide basic education to the people for free. </a:t>
+            </a:r>
+          </a:p>
+          <a:p>
+            <a:pPr marL="0" lvl="0" indent="0" algn="just" rtl="0">
               <a:spcBef>
                 <a:spcPts val="0"/>
               </a:spcBef>
@@ -6632,12 +7043,18 @@
               <a:buNone/>
             </a:pPr>
             <a:r>
-              <a:rPr lang="en-US" dirty="0"/>
+              <a:rPr lang="en-US" dirty="0">
+                <a:solidFill>
+                  <a:schemeClr val="tx1"/>
+                </a:solidFill>
+                <a:latin typeface="Times New Roman" pitchFamily="18" charset="0"/>
+                <a:cs typeface="Times New Roman" pitchFamily="18" charset="0"/>
+              </a:rPr>
               <a:t>So here we are going to analyze if the number of people who at least get a primary education increase, does the country prosper?</a:t>
             </a:r>
           </a:p>
           <a:p>
-            <a:pPr marL="0" lvl="0" indent="0" algn="l" rtl="0">
+            <a:pPr marL="0" lvl="0" indent="0" algn="just" rtl="0">
               <a:spcBef>
                 <a:spcPts val="0"/>
               </a:spcBef>
@@ -6647,12 +7064,18 @@
               <a:buNone/>
             </a:pPr>
             <a:r>
-              <a:rPr lang="en-US" dirty="0"/>
+              <a:rPr lang="en-US" dirty="0">
+                <a:solidFill>
+                  <a:schemeClr val="tx1"/>
+                </a:solidFill>
+                <a:latin typeface="Times New Roman" pitchFamily="18" charset="0"/>
+                <a:cs typeface="Times New Roman" pitchFamily="18" charset="0"/>
+              </a:rPr>
               <a:t>Also, in the 70s and 80s, a girl child was considered inferior to a boy child and they were not provided with the same facilities and education which a boy gets. Here we will also see whether the mentality of the people who consider a boy superior to a girl has changed and started to provide equal opportunities of education as time went by.</a:t>
             </a:r>
           </a:p>
           <a:p>
-            <a:pPr marL="0" lvl="0" indent="0" algn="l" rtl="0">
+            <a:pPr marL="0" lvl="0" indent="0" algn="just" rtl="0">
               <a:spcBef>
                 <a:spcPts val="0"/>
               </a:spcBef>
@@ -6715,7 +7138,7 @@
           </a:bodyPr>
           <a:lstStyle/>
           <a:p>
-            <a:pPr marL="0" lvl="0" indent="0" algn="l" rtl="0">
+            <a:pPr marL="0" lvl="0" indent="0" algn="ctr" rtl="0">
               <a:spcBef>
                 <a:spcPts val="0"/>
               </a:spcBef>
@@ -6725,10 +7148,20 @@
               <a:buNone/>
             </a:pPr>
             <a:r>
-              <a:rPr lang="en" dirty="0"/>
-              <a:t>Research Question</a:t>
+              <a:rPr lang="en" b="1" dirty="0">
+                <a:latin typeface="Garamond" pitchFamily="18" charset="0"/>
+              </a:rPr>
+              <a:t>Research </a:t>
             </a:r>
-            <a:endParaRPr dirty="0"/>
+            <a:r>
+              <a:rPr lang="en" b="1" dirty="0" smtClean="0">
+                <a:latin typeface="Garamond" pitchFamily="18" charset="0"/>
+              </a:rPr>
+              <a:t>Problem 1</a:t>
+            </a:r>
+            <a:endParaRPr b="1" dirty="0">
+              <a:latin typeface="Garamond" pitchFamily="18" charset="0"/>
+            </a:endParaRPr>
           </a:p>
         </p:txBody>
       </p:sp>
@@ -6757,29 +7190,63 @@
           </a:bodyPr>
           <a:lstStyle/>
           <a:p>
-            <a:pPr marL="285750" indent="-285750">
+            <a:pPr marL="342900" algn="just">
               <a:spcAft>
                 <a:spcPts val="1600"/>
               </a:spcAft>
+              <a:buFont typeface="+mj-lt"/>
+              <a:buAutoNum type="arabicPeriod"/>
+            </a:pPr>
+            <a:endParaRPr lang="en-US" dirty="0" smtClean="0"/>
+          </a:p>
+          <a:p>
+            <a:pPr marL="342900" algn="just">
+              <a:spcAft>
+                <a:spcPts val="1600"/>
+              </a:spcAft>
+              <a:buFont typeface="+mj-lt"/>
+              <a:buAutoNum type="arabicPeriod"/>
+            </a:pPr>
+            <a:endParaRPr lang="en-US" dirty="0"/>
+          </a:p>
+          <a:p>
+            <a:pPr marL="0" indent="0" algn="just">
+              <a:spcAft>
+                <a:spcPts val="1600"/>
+              </a:spcAft>
+              <a:buNone/>
             </a:pPr>
             <a:r>
-              <a:rPr lang="en-US" dirty="0"/>
-              <a:t>Does India prosper as the number of people being Educated at least at a primary level increase?</a:t>
+              <a:rPr lang="en-US" dirty="0" smtClean="0">
+                <a:latin typeface="Times New Roman" pitchFamily="18" charset="0"/>
+                <a:cs typeface="Times New Roman" pitchFamily="18" charset="0"/>
+              </a:rPr>
+              <a:t>Does </a:t>
             </a:r>
-          </a:p>
-          <a:p>
-            <a:pPr marL="285750" indent="-285750">
-              <a:spcAft>
-                <a:spcPts val="1600"/>
-              </a:spcAft>
-            </a:pPr>
             <a:r>
-              <a:rPr lang="en-US" dirty="0"/>
-              <a:t>Did the mentality of the people who consider a boy superior to a girl has changed and started to provide equal opportunities of education as time went by.</a:t>
+              <a:rPr lang="en-US" dirty="0">
+                <a:latin typeface="Times New Roman" pitchFamily="18" charset="0"/>
+                <a:cs typeface="Times New Roman" pitchFamily="18" charset="0"/>
+              </a:rPr>
+              <a:t>India prosper as the number of people being </a:t>
             </a:r>
-          </a:p>
-          <a:p>
-            <a:pPr marL="0" lvl="0" indent="0">
+            <a:r>
+              <a:rPr lang="en-US" dirty="0" smtClean="0">
+                <a:latin typeface="Times New Roman" pitchFamily="18" charset="0"/>
+                <a:cs typeface="Times New Roman" pitchFamily="18" charset="0"/>
+              </a:rPr>
+              <a:t>educated </a:t>
+            </a:r>
+            <a:r>
+              <a:rPr lang="en-US" dirty="0">
+                <a:latin typeface="Times New Roman" pitchFamily="18" charset="0"/>
+                <a:cs typeface="Times New Roman" pitchFamily="18" charset="0"/>
+              </a:rPr>
+              <a:t>at least at a primary level increase?</a:t>
+            </a:r>
+          </a:p>
+          <a:p>
+            <a:pPr marL="0" lvl="0" indent="0" algn="just">
               <a:spcAft>
                 <a:spcPts val="1600"/>
               </a:spcAft>
@@ -6788,7 +7255,7 @@
             <a:endParaRPr lang="en-US" dirty="0"/>
           </a:p>
           <a:p>
-            <a:pPr marL="0" lvl="0" indent="0">
+            <a:pPr marL="0" lvl="0" indent="0" algn="just">
               <a:spcAft>
                 <a:spcPts val="1600"/>
               </a:spcAft>
@@ -6807,6 +7274,690 @@
 </file>
 
 <file path=ppt/slides/slide5.xml><?xml version="1.0" encoding="utf-8"?>
+<p:sld xmlns:a="http://schemas.openxmlformats.org/drawingml/2006/main" xmlns:r="http://schemas.openxmlformats.org/officeDocument/2006/relationships" xmlns:p="http://schemas.openxmlformats.org/presentationml/2006/main">
+  <p:cSld>
+    <p:spTree>
+      <p:nvGrpSpPr>
+        <p:cNvPr id="1" name="Shape 78"/>
+        <p:cNvGrpSpPr/>
+        <p:nvPr/>
+      </p:nvGrpSpPr>
+      <p:grpSpPr>
+        <a:xfrm>
+          <a:off x="0" y="0"/>
+          <a:ext cx="0" cy="0"/>
+          <a:chOff x="0" y="0"/>
+          <a:chExt cx="0" cy="0"/>
+        </a:xfrm>
+      </p:grpSpPr>
+      <p:sp>
+        <p:nvSpPr>
+          <p:cNvPr id="79" name="Google Shape;79;p17"/>
+          <p:cNvSpPr txBox="1">
+            <a:spLocks noGrp="1"/>
+          </p:cNvSpPr>
+          <p:nvPr>
+            <p:ph type="title"/>
+          </p:nvPr>
+        </p:nvSpPr>
+        <p:spPr>
+          <a:xfrm>
+            <a:off x="311700" y="173127"/>
+            <a:ext cx="8520600" cy="404037"/>
+          </a:xfrm>
+          <a:prstGeom prst="rect">
+            <a:avLst/>
+          </a:prstGeom>
+        </p:spPr>
+        <p:txBody>
+          <a:bodyPr spcFirstLastPara="1" wrap="square" lIns="91425" tIns="91425" rIns="91425" bIns="91425" anchor="t" anchorCtr="0">
+            <a:noAutofit/>
+          </a:bodyPr>
+          <a:lstStyle/>
+          <a:p>
+            <a:pPr marL="0" lvl="0" indent="0" algn="ctr" rtl="0">
+              <a:spcBef>
+                <a:spcPts val="0"/>
+              </a:spcBef>
+              <a:spcAft>
+                <a:spcPts val="0"/>
+              </a:spcAft>
+              <a:buNone/>
+            </a:pPr>
+            <a:r>
+              <a:rPr lang="en" b="1" dirty="0" smtClean="0">
+                <a:latin typeface="Garamond" pitchFamily="18" charset="0"/>
+              </a:rPr>
+              <a:t>Observations and inferences</a:t>
+            </a:r>
+            <a:endParaRPr b="1" dirty="0">
+              <a:latin typeface="Garamond" pitchFamily="18" charset="0"/>
+            </a:endParaRPr>
+          </a:p>
+        </p:txBody>
+      </p:sp>
+      <p:sp>
+        <p:nvSpPr>
+          <p:cNvPr id="80" name="Google Shape;80;p17"/>
+          <p:cNvSpPr txBox="1">
+            <a:spLocks noGrp="1"/>
+          </p:cNvSpPr>
+          <p:nvPr>
+            <p:ph type="body" idx="1"/>
+          </p:nvPr>
+        </p:nvSpPr>
+        <p:spPr>
+          <a:xfrm>
+            <a:off x="311699" y="510362"/>
+            <a:ext cx="8701671" cy="4633137"/>
+          </a:xfrm>
+          <a:prstGeom prst="rect">
+            <a:avLst/>
+          </a:prstGeom>
+        </p:spPr>
+        <p:txBody>
+          <a:bodyPr spcFirstLastPara="1" wrap="square" lIns="91425" tIns="91425" rIns="91425" bIns="91425" anchor="t" anchorCtr="0">
+            <a:noAutofit/>
+          </a:bodyPr>
+          <a:lstStyle/>
+          <a:p>
+            <a:pPr marL="0" lvl="0" indent="0">
+              <a:buNone/>
+            </a:pPr>
+            <a:endParaRPr lang="en-US" u="sng" dirty="0"/>
+          </a:p>
+          <a:p>
+            <a:pPr marL="0" lvl="0" indent="0" algn="l" rtl="0">
+              <a:spcBef>
+                <a:spcPts val="0"/>
+              </a:spcBef>
+              <a:spcAft>
+                <a:spcPts val="0"/>
+              </a:spcAft>
+              <a:buNone/>
+            </a:pPr>
+            <a:endParaRPr lang="en-US" dirty="0"/>
+          </a:p>
+          <a:p>
+            <a:pPr marL="0" lvl="0" indent="0" algn="l" rtl="0">
+              <a:spcBef>
+                <a:spcPts val="0"/>
+              </a:spcBef>
+              <a:spcAft>
+                <a:spcPts val="0"/>
+              </a:spcAft>
+              <a:buNone/>
+            </a:pPr>
+            <a:endParaRPr lang="en-US" dirty="0"/>
+          </a:p>
+          <a:p>
+            <a:pPr marL="0" lvl="0" indent="0" algn="l" rtl="0">
+              <a:spcBef>
+                <a:spcPts val="0"/>
+              </a:spcBef>
+              <a:spcAft>
+                <a:spcPts val="0"/>
+              </a:spcAft>
+              <a:buNone/>
+            </a:pPr>
+            <a:endParaRPr lang="en-US" dirty="0"/>
+          </a:p>
+          <a:p>
+            <a:pPr marL="0" lvl="0" indent="0" algn="l" rtl="0">
+              <a:spcBef>
+                <a:spcPts val="0"/>
+              </a:spcBef>
+              <a:spcAft>
+                <a:spcPts val="0"/>
+              </a:spcAft>
+              <a:buNone/>
+            </a:pPr>
+            <a:endParaRPr lang="en-US" dirty="0"/>
+          </a:p>
+          <a:p>
+            <a:pPr marL="0" lvl="0" indent="0" algn="l" rtl="0">
+              <a:spcBef>
+                <a:spcPts val="0"/>
+              </a:spcBef>
+              <a:spcAft>
+                <a:spcPts val="0"/>
+              </a:spcAft>
+              <a:buNone/>
+            </a:pPr>
+            <a:endParaRPr lang="en-US" dirty="0"/>
+          </a:p>
+          <a:p>
+            <a:pPr marL="0" lvl="0" indent="0" algn="l" rtl="0">
+              <a:spcBef>
+                <a:spcPts val="0"/>
+              </a:spcBef>
+              <a:spcAft>
+                <a:spcPts val="0"/>
+              </a:spcAft>
+              <a:buNone/>
+            </a:pPr>
+            <a:endParaRPr lang="en-US" dirty="0"/>
+          </a:p>
+          <a:p>
+            <a:pPr marL="0" lvl="0" indent="0" algn="l" rtl="0">
+              <a:spcBef>
+                <a:spcPts val="0"/>
+              </a:spcBef>
+              <a:spcAft>
+                <a:spcPts val="0"/>
+              </a:spcAft>
+              <a:buNone/>
+            </a:pPr>
+            <a:endParaRPr lang="en-US" dirty="0"/>
+          </a:p>
+          <a:p>
+            <a:pPr marL="0" lvl="0" indent="0" algn="l" rtl="0">
+              <a:spcBef>
+                <a:spcPts val="0"/>
+              </a:spcBef>
+              <a:spcAft>
+                <a:spcPts val="0"/>
+              </a:spcAft>
+              <a:buNone/>
+            </a:pPr>
+            <a:r>
+              <a:rPr lang="en-US" sz="1000" i="1" dirty="0" smtClean="0">
+                <a:solidFill>
+                  <a:schemeClr val="tx1"/>
+                </a:solidFill>
+                <a:latin typeface="Times New Roman" pitchFamily="18" charset="0"/>
+                <a:cs typeface="Times New Roman" pitchFamily="18" charset="0"/>
+              </a:rPr>
+              <a:t>Figure 1(a) : variation in the number of out-of school students of primary school age over a decade(in millions), </a:t>
+            </a:r>
+            <a:endParaRPr lang="en-US" sz="1000" i="1" dirty="0" smtClean="0">
+              <a:solidFill>
+                <a:schemeClr val="tx1"/>
+              </a:solidFill>
+              <a:latin typeface="Times New Roman" pitchFamily="18" charset="0"/>
+              <a:cs typeface="Times New Roman" pitchFamily="18" charset="0"/>
+            </a:endParaRPr>
+          </a:p>
+          <a:p>
+            <a:pPr marL="0" lvl="0" indent="0" algn="l" rtl="0">
+              <a:spcBef>
+                <a:spcPts val="0"/>
+              </a:spcBef>
+              <a:spcAft>
+                <a:spcPts val="0"/>
+              </a:spcAft>
+              <a:buNone/>
+            </a:pPr>
+            <a:r>
+              <a:rPr lang="en-US" sz="1000" i="1" dirty="0" smtClean="0">
+                <a:solidFill>
+                  <a:schemeClr val="tx1"/>
+                </a:solidFill>
+                <a:latin typeface="Times New Roman" pitchFamily="18" charset="0"/>
+                <a:cs typeface="Times New Roman" pitchFamily="18" charset="0"/>
+              </a:rPr>
+              <a:t> </a:t>
+            </a:r>
+            <a:r>
+              <a:rPr lang="en-US" sz="1000" i="1" dirty="0" smtClean="0">
+                <a:solidFill>
+                  <a:schemeClr val="tx1"/>
+                </a:solidFill>
+                <a:latin typeface="Times New Roman" pitchFamily="18" charset="0"/>
+                <a:cs typeface="Times New Roman" pitchFamily="18" charset="0"/>
+              </a:rPr>
+              <a:t>             </a:t>
+            </a:r>
+            <a:r>
+              <a:rPr lang="en-US" sz="1000" i="1" dirty="0" smtClean="0">
+                <a:solidFill>
+                  <a:schemeClr val="tx1"/>
+                </a:solidFill>
+                <a:latin typeface="Times New Roman" pitchFamily="18" charset="0"/>
+                <a:cs typeface="Times New Roman" pitchFamily="18" charset="0"/>
+              </a:rPr>
+              <a:t>(</a:t>
+            </a:r>
+            <a:r>
+              <a:rPr lang="en-US" sz="1000" i="1" dirty="0" smtClean="0">
+                <a:solidFill>
+                  <a:schemeClr val="tx1"/>
+                </a:solidFill>
+                <a:latin typeface="Times New Roman" pitchFamily="18" charset="0"/>
+                <a:cs typeface="Times New Roman" pitchFamily="18" charset="0"/>
+              </a:rPr>
+              <a:t>b</a:t>
+            </a:r>
+            <a:r>
+              <a:rPr lang="en-US" sz="1000" i="1" dirty="0" smtClean="0">
+                <a:solidFill>
+                  <a:schemeClr val="tx1"/>
+                </a:solidFill>
+                <a:latin typeface="Times New Roman" pitchFamily="18" charset="0"/>
+                <a:cs typeface="Times New Roman" pitchFamily="18" charset="0"/>
+              </a:rPr>
+              <a:t>) : variation in the GDP Per Capita (Current US Dollar) over a Decade (in USD)</a:t>
+            </a:r>
+          </a:p>
+          <a:p>
+            <a:pPr marL="0" lvl="0" indent="0" algn="l" rtl="0">
+              <a:spcBef>
+                <a:spcPts val="0"/>
+              </a:spcBef>
+              <a:spcAft>
+                <a:spcPts val="0"/>
+              </a:spcAft>
+              <a:buNone/>
+            </a:pPr>
+            <a:endParaRPr lang="en-US" sz="1000" i="1" dirty="0"/>
+          </a:p>
+          <a:p>
+            <a:pPr marL="285750" indent="-285750"/>
+            <a:r>
+              <a:rPr lang="en-US" sz="1400" dirty="0">
+                <a:solidFill>
+                  <a:schemeClr val="tx1"/>
+                </a:solidFill>
+                <a:latin typeface="Times New Roman" pitchFamily="18" charset="0"/>
+                <a:cs typeface="Times New Roman" pitchFamily="18" charset="0"/>
+              </a:rPr>
+              <a:t>Till 2002-2003, the number of kids out of school </a:t>
+            </a:r>
+            <a:r>
+              <a:rPr lang="en-US" sz="1400" dirty="0" smtClean="0">
+                <a:solidFill>
+                  <a:schemeClr val="tx1"/>
+                </a:solidFill>
+                <a:latin typeface="Times New Roman" pitchFamily="18" charset="0"/>
+                <a:cs typeface="Times New Roman" pitchFamily="18" charset="0"/>
+              </a:rPr>
+              <a:t>were huge (~ 1.7 million) </a:t>
+            </a:r>
+            <a:r>
+              <a:rPr lang="en-US" sz="1400" dirty="0">
+                <a:solidFill>
+                  <a:schemeClr val="tx1"/>
+                </a:solidFill>
+                <a:latin typeface="Times New Roman" pitchFamily="18" charset="0"/>
+                <a:cs typeface="Times New Roman" pitchFamily="18" charset="0"/>
+              </a:rPr>
+              <a:t>and the GDP of India was </a:t>
+            </a:r>
+            <a:r>
+              <a:rPr lang="en-US" sz="1400" dirty="0" smtClean="0">
+                <a:solidFill>
+                  <a:schemeClr val="tx1"/>
+                </a:solidFill>
+                <a:latin typeface="Times New Roman" pitchFamily="18" charset="0"/>
+                <a:cs typeface="Times New Roman" pitchFamily="18" charset="0"/>
+              </a:rPr>
+              <a:t>almost in a  </a:t>
+            </a:r>
+            <a:r>
+              <a:rPr lang="en-US" sz="1400" dirty="0">
+                <a:solidFill>
+                  <a:schemeClr val="tx1"/>
+                </a:solidFill>
+                <a:latin typeface="Times New Roman" pitchFamily="18" charset="0"/>
+                <a:cs typeface="Times New Roman" pitchFamily="18" charset="0"/>
+              </a:rPr>
+              <a:t>saturated </a:t>
+            </a:r>
+            <a:r>
+              <a:rPr lang="en-US" sz="1400" dirty="0" smtClean="0">
+                <a:solidFill>
+                  <a:schemeClr val="tx1"/>
+                </a:solidFill>
+                <a:latin typeface="Times New Roman" pitchFamily="18" charset="0"/>
+                <a:cs typeface="Times New Roman" pitchFamily="18" charset="0"/>
+              </a:rPr>
+              <a:t>state during that period as we could observe from fig 1(b).  </a:t>
+            </a:r>
+          </a:p>
+          <a:p>
+            <a:pPr marL="285750" indent="-285750"/>
+            <a:r>
+              <a:rPr lang="en-US" sz="1400" dirty="0" smtClean="0">
+                <a:solidFill>
+                  <a:schemeClr val="tx1"/>
+                </a:solidFill>
+                <a:latin typeface="Times New Roman" pitchFamily="18" charset="0"/>
+                <a:cs typeface="Times New Roman" pitchFamily="18" charset="0"/>
+              </a:rPr>
+              <a:t>Comparing fig 1 (a ) and 1(b), it can be concluded that, the prosperity of a nation is directly linked to its literacy rate. As the out-of school student number decreases with passing years (fig 1(a)) , we could observe a proportional rise in the GDP (fig 1(b)).</a:t>
+            </a:r>
+            <a:endParaRPr sz="1400" dirty="0">
+              <a:solidFill>
+                <a:schemeClr val="tx1"/>
+              </a:solidFill>
+              <a:latin typeface="Times New Roman" pitchFamily="18" charset="0"/>
+              <a:cs typeface="Times New Roman" pitchFamily="18" charset="0"/>
+            </a:endParaRPr>
+          </a:p>
+        </p:txBody>
+      </p:sp>
+      <p:pic>
+        <p:nvPicPr>
+          <p:cNvPr id="3" name="Picture 2">
+            <a:extLst>
+              <a:ext uri="{FF2B5EF4-FFF2-40B4-BE49-F238E27FC236}">
+                <a16:creationId xmlns="" xmlns:a16="http://schemas.microsoft.com/office/drawing/2014/main" id="{FBE8D355-29BB-4492-A3FD-265A2CA63136}"/>
+              </a:ext>
+            </a:extLst>
+          </p:cNvPr>
+          <p:cNvPicPr>
+            <a:picLocks noChangeAspect="1"/>
+          </p:cNvPicPr>
+          <p:nvPr/>
+        </p:nvPicPr>
+        <p:blipFill>
+          <a:blip r:embed="rId3"/>
+          <a:stretch>
+            <a:fillRect/>
+          </a:stretch>
+        </p:blipFill>
+        <p:spPr>
+          <a:xfrm>
+            <a:off x="726897" y="605824"/>
+            <a:ext cx="3500585" cy="2484000"/>
+          </a:xfrm>
+          <a:prstGeom prst="rect">
+            <a:avLst/>
+          </a:prstGeom>
+        </p:spPr>
+      </p:pic>
+      <p:pic>
+        <p:nvPicPr>
+          <p:cNvPr id="5" name="Picture 4">
+            <a:extLst>
+              <a:ext uri="{FF2B5EF4-FFF2-40B4-BE49-F238E27FC236}">
+                <a16:creationId xmlns="" xmlns:a16="http://schemas.microsoft.com/office/drawing/2014/main" id="{DA6D38F6-D96A-4295-86DF-7B0FD82C4571}"/>
+              </a:ext>
+            </a:extLst>
+          </p:cNvPr>
+          <p:cNvPicPr>
+            <a:picLocks noChangeAspect="1"/>
+          </p:cNvPicPr>
+          <p:nvPr/>
+        </p:nvPicPr>
+        <p:blipFill>
+          <a:blip r:embed="rId4"/>
+          <a:stretch>
+            <a:fillRect/>
+          </a:stretch>
+        </p:blipFill>
+        <p:spPr>
+          <a:xfrm>
+            <a:off x="4443022" y="612507"/>
+            <a:ext cx="3448744" cy="2412000"/>
+          </a:xfrm>
+          <a:prstGeom prst="rect">
+            <a:avLst/>
+          </a:prstGeom>
+        </p:spPr>
+      </p:pic>
+      <p:sp>
+        <p:nvSpPr>
+          <p:cNvPr id="2" name="TextBox 1"/>
+          <p:cNvSpPr txBox="1"/>
+          <p:nvPr/>
+        </p:nvSpPr>
+        <p:spPr>
+          <a:xfrm>
+            <a:off x="3642875" y="788503"/>
+            <a:ext cx="402674" cy="307777"/>
+          </a:xfrm>
+          <a:prstGeom prst="rect">
+            <a:avLst/>
+          </a:prstGeom>
+          <a:noFill/>
+        </p:spPr>
+        <p:txBody>
+          <a:bodyPr wrap="none" rtlCol="0">
+            <a:spAutoFit/>
+          </a:bodyPr>
+          <a:lstStyle/>
+          <a:p>
+            <a:r>
+              <a:rPr lang="en-US" dirty="0" smtClean="0"/>
+              <a:t>(a)</a:t>
+            </a:r>
+            <a:endParaRPr lang="en-IN" dirty="0"/>
+          </a:p>
+        </p:txBody>
+      </p:sp>
+      <p:sp>
+        <p:nvSpPr>
+          <p:cNvPr id="7" name="TextBox 6"/>
+          <p:cNvSpPr txBox="1"/>
+          <p:nvPr/>
+        </p:nvSpPr>
+        <p:spPr>
+          <a:xfrm>
+            <a:off x="4905618" y="788503"/>
+            <a:ext cx="402674" cy="307777"/>
+          </a:xfrm>
+          <a:prstGeom prst="rect">
+            <a:avLst/>
+          </a:prstGeom>
+          <a:noFill/>
+        </p:spPr>
+        <p:txBody>
+          <a:bodyPr wrap="none" rtlCol="0">
+            <a:spAutoFit/>
+          </a:bodyPr>
+          <a:lstStyle/>
+          <a:p>
+            <a:r>
+              <a:rPr lang="en-US" dirty="0" smtClean="0"/>
+              <a:t>(b)</a:t>
+            </a:r>
+            <a:endParaRPr lang="en-IN" dirty="0"/>
+          </a:p>
+        </p:txBody>
+      </p:sp>
+    </p:spTree>
+  </p:cSld>
+  <p:clrMapOvr>
+    <a:masterClrMapping/>
+  </p:clrMapOvr>
+</p:sld>
+</file>
+
+<file path=ppt/slides/slide6.xml><?xml version="1.0" encoding="utf-8"?>
+<p:sld xmlns:a="http://schemas.openxmlformats.org/drawingml/2006/main" xmlns:r="http://schemas.openxmlformats.org/officeDocument/2006/relationships" xmlns:p="http://schemas.openxmlformats.org/presentationml/2006/main">
+  <p:cSld>
+    <p:spTree>
+      <p:nvGrpSpPr>
+        <p:cNvPr id="1" name=""/>
+        <p:cNvGrpSpPr/>
+        <p:nvPr/>
+      </p:nvGrpSpPr>
+      <p:grpSpPr>
+        <a:xfrm>
+          <a:off x="0" y="0"/>
+          <a:ext cx="0" cy="0"/>
+          <a:chOff x="0" y="0"/>
+          <a:chExt cx="0" cy="0"/>
+        </a:xfrm>
+      </p:grpSpPr>
+      <p:sp>
+        <p:nvSpPr>
+          <p:cNvPr id="2" name="Title 1"/>
+          <p:cNvSpPr>
+            <a:spLocks noGrp="1"/>
+          </p:cNvSpPr>
+          <p:nvPr>
+            <p:ph type="title"/>
+          </p:nvPr>
+        </p:nvSpPr>
+        <p:spPr/>
+        <p:txBody>
+          <a:bodyPr/>
+          <a:lstStyle/>
+          <a:p>
+            <a:pPr algn="ctr"/>
+            <a:r>
+              <a:rPr lang="en" b="1" dirty="0">
+                <a:solidFill>
+                  <a:schemeClr val="tx1"/>
+                </a:solidFill>
+                <a:latin typeface="Garamond" pitchFamily="18" charset="0"/>
+              </a:rPr>
+              <a:t>Research Problem </a:t>
+            </a:r>
+            <a:r>
+              <a:rPr lang="en" b="1" dirty="0" smtClean="0">
+                <a:solidFill>
+                  <a:schemeClr val="tx1"/>
+                </a:solidFill>
+                <a:latin typeface="Garamond" pitchFamily="18" charset="0"/>
+              </a:rPr>
+              <a:t>2</a:t>
+            </a:r>
+            <a:endParaRPr lang="en-IN" b="1" dirty="0">
+              <a:solidFill>
+                <a:schemeClr val="tx1"/>
+              </a:solidFill>
+              <a:latin typeface="Garamond" pitchFamily="18" charset="0"/>
+            </a:endParaRPr>
+          </a:p>
+        </p:txBody>
+      </p:sp>
+      <p:sp>
+        <p:nvSpPr>
+          <p:cNvPr id="3" name="Text Placeholder 2"/>
+          <p:cNvSpPr>
+            <a:spLocks noGrp="1"/>
+          </p:cNvSpPr>
+          <p:nvPr>
+            <p:ph type="body" idx="1"/>
+          </p:nvPr>
+        </p:nvSpPr>
+        <p:spPr>
+          <a:xfrm>
+            <a:off x="111967" y="1152475"/>
+            <a:ext cx="8720333" cy="3416400"/>
+          </a:xfrm>
+        </p:spPr>
+        <p:txBody>
+          <a:bodyPr/>
+          <a:lstStyle/>
+          <a:p>
+            <a:pPr marL="114300" indent="0" algn="just">
+              <a:buNone/>
+            </a:pPr>
+            <a:endParaRPr lang="en-US" dirty="0" smtClean="0"/>
+          </a:p>
+          <a:p>
+            <a:pPr marL="114300" indent="0" algn="just">
+              <a:buNone/>
+            </a:pPr>
+            <a:endParaRPr lang="en-US" dirty="0" smtClean="0"/>
+          </a:p>
+          <a:p>
+            <a:pPr marL="114300" indent="0" algn="just">
+              <a:buNone/>
+            </a:pPr>
+            <a:endParaRPr lang="en-US" dirty="0"/>
+          </a:p>
+          <a:p>
+            <a:pPr marL="114300" indent="0" algn="just">
+              <a:buNone/>
+            </a:pPr>
+            <a:endParaRPr lang="en-US" dirty="0" smtClean="0"/>
+          </a:p>
+          <a:p>
+            <a:pPr marL="114300" indent="0" algn="just">
+              <a:buNone/>
+            </a:pPr>
+            <a:r>
+              <a:rPr lang="en-US" dirty="0" smtClean="0">
+                <a:solidFill>
+                  <a:schemeClr val="tx1"/>
+                </a:solidFill>
+                <a:latin typeface="Times New Roman" pitchFamily="18" charset="0"/>
+                <a:cs typeface="Times New Roman" pitchFamily="18" charset="0"/>
+              </a:rPr>
+              <a:t>Has the </a:t>
+            </a:r>
+            <a:r>
+              <a:rPr lang="en-US" dirty="0">
+                <a:solidFill>
+                  <a:schemeClr val="tx1"/>
+                </a:solidFill>
+                <a:latin typeface="Times New Roman" pitchFamily="18" charset="0"/>
+                <a:cs typeface="Times New Roman" pitchFamily="18" charset="0"/>
+              </a:rPr>
+              <a:t>mentality of the people who consider a boy superior to a girl </a:t>
+            </a:r>
+            <a:r>
+              <a:rPr lang="en-US" dirty="0" smtClean="0">
+                <a:solidFill>
+                  <a:schemeClr val="tx1"/>
+                </a:solidFill>
+                <a:latin typeface="Times New Roman" pitchFamily="18" charset="0"/>
+                <a:cs typeface="Times New Roman" pitchFamily="18" charset="0"/>
+              </a:rPr>
+              <a:t>changed?</a:t>
+            </a:r>
+          </a:p>
+          <a:p>
+            <a:pPr marL="114300" indent="0" algn="just">
+              <a:buNone/>
+            </a:pPr>
+            <a:r>
+              <a:rPr lang="en-US" dirty="0" smtClean="0">
+                <a:solidFill>
+                  <a:schemeClr val="tx1"/>
+                </a:solidFill>
+                <a:latin typeface="Times New Roman" pitchFamily="18" charset="0"/>
+                <a:cs typeface="Times New Roman" pitchFamily="18" charset="0"/>
+              </a:rPr>
+              <a:t>Are they provided equal opportunities to educate themselves as years passed?</a:t>
+            </a:r>
+            <a:endParaRPr lang="en-US" dirty="0">
+              <a:solidFill>
+                <a:schemeClr val="tx1"/>
+              </a:solidFill>
+              <a:latin typeface="Times New Roman" pitchFamily="18" charset="0"/>
+              <a:cs typeface="Times New Roman" pitchFamily="18" charset="0"/>
+            </a:endParaRPr>
+          </a:p>
+          <a:p>
+            <a:pPr algn="just">
+              <a:buFont typeface="+mj-lt"/>
+              <a:buAutoNum type="arabicPeriod"/>
+            </a:pPr>
+            <a:endParaRPr lang="en-US" dirty="0"/>
+          </a:p>
+          <a:p>
+            <a:pPr algn="just"/>
+            <a:endParaRPr lang="en-IN" dirty="0"/>
+          </a:p>
+        </p:txBody>
+      </p:sp>
+    </p:spTree>
+    <p:extLst>
+      <p:ext uri="{BB962C8B-B14F-4D97-AF65-F5344CB8AC3E}">
+        <p14:creationId xmlns:p14="http://schemas.microsoft.com/office/powerpoint/2010/main" xmlns="" val="4006493410"/>
+      </p:ext>
+    </p:extLst>
+  </p:cSld>
+  <p:clrMapOvr>
+    <a:masterClrMapping/>
+  </p:clrMapOvr>
+  <p:timing>
+    <p:tnLst>
+      <p:par>
+        <p:cTn id="1" dur="indefinite" restart="never" nodeType="tmRoot"/>
+      </p:par>
+    </p:tnLst>
+  </p:timing>
+</p:sld>
+</file>
+
+<file path=ppt/slides/slide7.xml><?xml version="1.0" encoding="utf-8"?>
 <p:sld xmlns:a="http://schemas.openxmlformats.org/drawingml/2006/main" xmlns:r="http://schemas.openxmlformats.org/officeDocument/2006/relationships" xmlns:p="http://schemas.openxmlformats.org/presentationml/2006/main">
   <p:cSld>
     <p:spTree>
@@ -6848,20 +7999,22 @@
           </a:bodyPr>
           <a:lstStyle/>
           <a:p>
-            <a:pPr marL="0" lvl="0" indent="0" algn="ctr" rtl="0">
-              <a:spcBef>
-                <a:spcPts val="0"/>
-              </a:spcBef>
-              <a:spcAft>
-                <a:spcPts val="0"/>
-              </a:spcAft>
-              <a:buNone/>
-            </a:pPr>
+            <a:pPr lvl="0" algn="ctr"/>
             <a:r>
-              <a:rPr lang="en" dirty="0"/>
-              <a:t>Findings</a:t>
+              <a:rPr lang="en" b="1" dirty="0" smtClean="0">
+                <a:latin typeface="Garamond" pitchFamily="18" charset="0"/>
+              </a:rPr>
+              <a:t>           Observations </a:t>
             </a:r>
-            <a:endParaRPr dirty="0"/>
+            <a:r>
+              <a:rPr lang="en" b="1" dirty="0">
+                <a:latin typeface="Garamond" pitchFamily="18" charset="0"/>
+              </a:rPr>
+              <a:t>and inferences</a:t>
+            </a:r>
+            <a:endParaRPr b="1" dirty="0">
+              <a:latin typeface="Garamond" pitchFamily="18" charset="0"/>
+            </a:endParaRPr>
           </a:p>
         </p:txBody>
       </p:sp>
@@ -6877,8 +8030,8 @@
         </p:nvSpPr>
         <p:spPr>
           <a:xfrm>
-            <a:off x="311700" y="510362"/>
-            <a:ext cx="8520600" cy="4633137"/>
+            <a:off x="3153747" y="510362"/>
+            <a:ext cx="5812971" cy="4633137"/>
           </a:xfrm>
           <a:prstGeom prst="rect">
             <a:avLst/>
@@ -6890,140 +8043,123 @@
           </a:bodyPr>
           <a:lstStyle/>
           <a:p>
-            <a:pPr marL="0" lvl="0" indent="0" algn="l" rtl="0">
-              <a:spcBef>
-                <a:spcPts val="0"/>
-              </a:spcBef>
-              <a:spcAft>
-                <a:spcPts val="0"/>
-              </a:spcAft>
-              <a:buNone/>
-            </a:pPr>
-            <a:endParaRPr lang="en-US" dirty="0"/>
-          </a:p>
-          <a:p>
-            <a:pPr marL="0" lvl="0" indent="0" algn="l" rtl="0">
-              <a:spcBef>
-                <a:spcPts val="0"/>
-              </a:spcBef>
-              <a:spcAft>
-                <a:spcPts val="0"/>
-              </a:spcAft>
-              <a:buNone/>
-            </a:pPr>
-            <a:endParaRPr lang="en-US" dirty="0"/>
-          </a:p>
-          <a:p>
-            <a:pPr marL="0" lvl="0" indent="0" algn="l" rtl="0">
-              <a:spcBef>
-                <a:spcPts val="0"/>
-              </a:spcBef>
-              <a:spcAft>
-                <a:spcPts val="0"/>
-              </a:spcAft>
-              <a:buNone/>
-            </a:pPr>
-            <a:endParaRPr lang="en-US" dirty="0"/>
-          </a:p>
-          <a:p>
-            <a:pPr marL="0" lvl="0" indent="0" algn="l" rtl="0">
-              <a:spcBef>
-                <a:spcPts val="0"/>
-              </a:spcBef>
-              <a:spcAft>
-                <a:spcPts val="0"/>
-              </a:spcAft>
-              <a:buNone/>
-            </a:pPr>
-            <a:endParaRPr lang="en-US" dirty="0"/>
-          </a:p>
-          <a:p>
-            <a:pPr marL="0" lvl="0" indent="0" algn="l" rtl="0">
-              <a:spcBef>
-                <a:spcPts val="0"/>
-              </a:spcBef>
-              <a:spcAft>
-                <a:spcPts val="0"/>
-              </a:spcAft>
-              <a:buNone/>
-            </a:pPr>
-            <a:endParaRPr lang="en-US" dirty="0"/>
-          </a:p>
-          <a:p>
-            <a:pPr marL="0" lvl="0" indent="0" algn="l" rtl="0">
-              <a:spcBef>
-                <a:spcPts val="0"/>
-              </a:spcBef>
-              <a:spcAft>
-                <a:spcPts val="0"/>
-              </a:spcAft>
-              <a:buNone/>
-            </a:pPr>
-            <a:endParaRPr lang="en-US" dirty="0"/>
-          </a:p>
-          <a:p>
-            <a:pPr marL="0" lvl="0" indent="0" algn="l" rtl="0">
-              <a:spcBef>
-                <a:spcPts val="0"/>
-              </a:spcBef>
-              <a:spcAft>
-                <a:spcPts val="0"/>
-              </a:spcAft>
-              <a:buNone/>
-            </a:pPr>
-            <a:endParaRPr lang="en-US" dirty="0"/>
-          </a:p>
-          <a:p>
-            <a:pPr marL="0" lvl="0" indent="0" algn="l" rtl="0">
-              <a:spcBef>
-                <a:spcPts val="0"/>
-              </a:spcBef>
-              <a:spcAft>
-                <a:spcPts val="0"/>
-              </a:spcAft>
-              <a:buNone/>
-            </a:pPr>
-            <a:endParaRPr lang="en-US" dirty="0"/>
-          </a:p>
-          <a:p>
-            <a:pPr marL="0" lvl="0" indent="0" algn="l" rtl="0">
-              <a:spcBef>
-                <a:spcPts val="0"/>
-              </a:spcBef>
-              <a:spcAft>
-                <a:spcPts val="0"/>
-              </a:spcAft>
-              <a:buNone/>
-            </a:pPr>
-            <a:endParaRPr lang="en-US" dirty="0"/>
-          </a:p>
-          <a:p>
-            <a:pPr marL="0" lvl="0" indent="0" algn="l" rtl="0">
-              <a:spcBef>
-                <a:spcPts val="0"/>
-              </a:spcBef>
-              <a:spcAft>
-                <a:spcPts val="0"/>
-              </a:spcAft>
-              <a:buNone/>
-            </a:pPr>
-            <a:endParaRPr lang="en-US" dirty="0"/>
-          </a:p>
-          <a:p>
-            <a:pPr marL="0" lvl="0" indent="0" algn="l" rtl="0">
-              <a:spcBef>
-                <a:spcPts val="0"/>
-              </a:spcBef>
-              <a:spcAft>
-                <a:spcPts val="0"/>
-              </a:spcAft>
-              <a:buNone/>
-            </a:pPr>
+            <a:pPr marL="285750" indent="-285750"/>
             <a:r>
-              <a:rPr lang="en-US" sz="1400" dirty="0"/>
-              <a:t>From these two line charts, we can clearly understand that as the literacy rate of a country increases, the country begin to prosper. We can see from the charts which gives us the details data which ranges over a decade. We can see that up until 2002-2003, the number of kids out of school was a lot and the GDP of India was in a saturated condition. After that we can see that the number of kids out of school comes down and the GDP goes up. So, to conclude, Education gives prosperity.</a:t>
+              <a:rPr lang="en-US" sz="1500" dirty="0" smtClean="0">
+                <a:solidFill>
+                  <a:schemeClr val="tx1"/>
+                </a:solidFill>
+                <a:latin typeface="Times New Roman" pitchFamily="18" charset="0"/>
+                <a:cs typeface="Times New Roman" pitchFamily="18" charset="0"/>
+              </a:rPr>
+              <a:t>Until late 80’s, education facilities  were provided more for boys compared to girls. Boys were educated more as is evident from fig 2(a) and (b). The number of out of school girls is quite huge compared to that of boys., the difference being of the order of approximately 10 million. </a:t>
             </a:r>
-            <a:endParaRPr sz="1400" dirty="0"/>
+          </a:p>
+          <a:p>
+            <a:pPr marL="285750" indent="-285750"/>
+            <a:r>
+              <a:rPr lang="en-US" sz="1500" dirty="0" smtClean="0">
+                <a:solidFill>
+                  <a:schemeClr val="tx1"/>
+                </a:solidFill>
+                <a:latin typeface="Times New Roman" pitchFamily="18" charset="0"/>
+                <a:cs typeface="Times New Roman" pitchFamily="18" charset="0"/>
+              </a:rPr>
+              <a:t>The number of out of school students decrease as time flows. In the case of boys, there is a steep decrease (fig 2(a))  whereas, for girls (fig 2(b), the decrease is a gradual process. </a:t>
+            </a:r>
+          </a:p>
+          <a:p>
+            <a:pPr marL="285750" indent="-285750"/>
+            <a:r>
+              <a:rPr lang="en-US" sz="1500" dirty="0" smtClean="0">
+                <a:solidFill>
+                  <a:schemeClr val="tx1"/>
+                </a:solidFill>
+                <a:latin typeface="Times New Roman" pitchFamily="18" charset="0"/>
+                <a:cs typeface="Times New Roman" pitchFamily="18" charset="0"/>
+              </a:rPr>
+              <a:t>During 1970- 1990, there is hardly any reduction in the out of school girls, (fig 2(b)), depicting the slow evolution of the mind set of society towards. However, this change is quite rapid for the case of boys (fig 2(a)).</a:t>
+            </a:r>
+          </a:p>
+          <a:p>
+            <a:pPr marL="285750" indent="-285750"/>
+            <a:r>
+              <a:rPr lang="en-US" sz="1500" dirty="0" smtClean="0">
+                <a:solidFill>
+                  <a:schemeClr val="tx1"/>
+                </a:solidFill>
+                <a:latin typeface="Times New Roman" pitchFamily="18" charset="0"/>
+                <a:cs typeface="Times New Roman" pitchFamily="18" charset="0"/>
+              </a:rPr>
+              <a:t> By 21</a:t>
+            </a:r>
+            <a:r>
+              <a:rPr lang="en-US" sz="1500" baseline="30000" dirty="0" smtClean="0">
+                <a:solidFill>
+                  <a:schemeClr val="tx1"/>
+                </a:solidFill>
+                <a:latin typeface="Times New Roman" pitchFamily="18" charset="0"/>
+                <a:cs typeface="Times New Roman" pitchFamily="18" charset="0"/>
+              </a:rPr>
+              <a:t>st</a:t>
+            </a:r>
+            <a:r>
+              <a:rPr lang="en-US" sz="1500" dirty="0" smtClean="0">
+                <a:solidFill>
+                  <a:schemeClr val="tx1"/>
+                </a:solidFill>
+                <a:latin typeface="Times New Roman" pitchFamily="18" charset="0"/>
+                <a:cs typeface="Times New Roman" pitchFamily="18" charset="0"/>
+              </a:rPr>
+              <a:t> </a:t>
+            </a:r>
+            <a:r>
+              <a:rPr lang="en-US" sz="1500" dirty="0" smtClean="0">
+                <a:solidFill>
+                  <a:schemeClr val="tx1"/>
+                </a:solidFill>
+                <a:latin typeface="Times New Roman" pitchFamily="18" charset="0"/>
+                <a:cs typeface="Times New Roman" pitchFamily="18" charset="0"/>
+              </a:rPr>
+              <a:t>century </a:t>
+            </a:r>
+            <a:r>
+              <a:rPr lang="en-US" sz="1500" dirty="0" smtClean="0">
+                <a:solidFill>
+                  <a:schemeClr val="tx1"/>
+                </a:solidFill>
+                <a:latin typeface="Times New Roman" pitchFamily="18" charset="0"/>
+                <a:cs typeface="Times New Roman" pitchFamily="18" charset="0"/>
+              </a:rPr>
+              <a:t>beginning, the modern society has changed and equal education </a:t>
+            </a:r>
+            <a:r>
+              <a:rPr lang="en-US" sz="1500" dirty="0" smtClean="0">
+                <a:solidFill>
+                  <a:schemeClr val="tx1"/>
+                </a:solidFill>
+                <a:latin typeface="Times New Roman" pitchFamily="18" charset="0"/>
+                <a:cs typeface="Times New Roman" pitchFamily="18" charset="0"/>
+              </a:rPr>
+              <a:t>opportunities </a:t>
+            </a:r>
+            <a:r>
+              <a:rPr lang="en-US" sz="1500" dirty="0" smtClean="0">
+                <a:solidFill>
+                  <a:schemeClr val="tx1"/>
+                </a:solidFill>
+                <a:latin typeface="Times New Roman" pitchFamily="18" charset="0"/>
+                <a:cs typeface="Times New Roman" pitchFamily="18" charset="0"/>
+              </a:rPr>
+              <a:t>are found to be provides to school age children irrespective of their gender. Towards the end of 2003, we could observe a similar trend in the number of  out of school students (boys and girls)</a:t>
+            </a:r>
+            <a:endParaRPr sz="1500" dirty="0">
+              <a:solidFill>
+                <a:schemeClr val="tx1"/>
+              </a:solidFill>
+              <a:latin typeface="Times New Roman" pitchFamily="18" charset="0"/>
+              <a:cs typeface="Times New Roman" pitchFamily="18" charset="0"/>
+            </a:endParaRPr>
           </a:p>
         </p:txBody>
       </p:sp>
@@ -7032,7 +8168,7 @@
           <p:cNvPr id="3" name="Picture 2">
             <a:extLst>
               <a:ext uri="{FF2B5EF4-FFF2-40B4-BE49-F238E27FC236}">
-                <a16:creationId xmlns:a16="http://schemas.microsoft.com/office/drawing/2014/main" id="{FBE8D355-29BB-4492-A3FD-265A2CA63136}"/>
+                <a16:creationId xmlns="" xmlns:a16="http://schemas.microsoft.com/office/drawing/2014/main" id="{FBE8D355-29BB-4492-A3FD-265A2CA63136}"/>
               </a:ext>
             </a:extLst>
           </p:cNvPr>
@@ -7049,8 +8185,8 @@
         </p:blipFill>
         <p:spPr>
           <a:xfrm>
-            <a:off x="111070" y="680484"/>
-            <a:ext cx="4131322" cy="2931569"/>
+            <a:off x="159026" y="322919"/>
+            <a:ext cx="2942521" cy="2088000"/>
           </a:xfrm>
           <a:prstGeom prst="rect">
             <a:avLst/>
@@ -7062,7 +8198,7 @@
           <p:cNvPr id="5" name="Picture 4">
             <a:extLst>
               <a:ext uri="{FF2B5EF4-FFF2-40B4-BE49-F238E27FC236}">
-                <a16:creationId xmlns:a16="http://schemas.microsoft.com/office/drawing/2014/main" id="{DA6D38F6-D96A-4295-86DF-7B0FD82C4571}"/>
+                <a16:creationId xmlns="" xmlns:a16="http://schemas.microsoft.com/office/drawing/2014/main" id="{DA6D38F6-D96A-4295-86DF-7B0FD82C4571}"/>
               </a:ext>
             </a:extLst>
           </p:cNvPr>
@@ -7079,28 +8215,138 @@
         </p:blipFill>
         <p:spPr>
           <a:xfrm>
-            <a:off x="4443022" y="680484"/>
-            <a:ext cx="4389278" cy="3069793"/>
+            <a:off x="228599" y="2335530"/>
+            <a:ext cx="2942521" cy="2088000"/>
           </a:xfrm>
           <a:prstGeom prst="rect">
             <a:avLst/>
           </a:prstGeom>
         </p:spPr>
       </p:pic>
+      <p:sp>
+        <p:nvSpPr>
+          <p:cNvPr id="2" name="TextBox 1"/>
+          <p:cNvSpPr txBox="1"/>
+          <p:nvPr/>
+        </p:nvSpPr>
+        <p:spPr>
+          <a:xfrm>
+            <a:off x="119548" y="4314614"/>
+            <a:ext cx="3209731" cy="1015663"/>
+          </a:xfrm>
+          <a:prstGeom prst="rect">
+            <a:avLst/>
+          </a:prstGeom>
+          <a:noFill/>
+        </p:spPr>
+        <p:txBody>
+          <a:bodyPr wrap="square" rtlCol="0">
+            <a:spAutoFit/>
+          </a:bodyPr>
+          <a:lstStyle/>
+          <a:p>
+            <a:pPr lvl="0"/>
+            <a:r>
+              <a:rPr lang="en-US" sz="1200" i="1" dirty="0">
+                <a:latin typeface="Times New Roman" pitchFamily="18" charset="0"/>
+                <a:cs typeface="Times New Roman" pitchFamily="18" charset="0"/>
+              </a:rPr>
+              <a:t>Fig : 2 Variation in the number of out of school students of primary age over a period has been shown. (a)  and (b)shows the number of boys and girls (in million) respectively </a:t>
+            </a:r>
+          </a:p>
+          <a:p>
+            <a:endParaRPr lang="en-IN" sz="1200" i="1" dirty="0">
+              <a:latin typeface="Goudy Old Style" pitchFamily="18" charset="0"/>
+            </a:endParaRPr>
+          </a:p>
+        </p:txBody>
+      </p:sp>
+      <p:sp>
+        <p:nvSpPr>
+          <p:cNvPr id="7" name="TextBox 6"/>
+          <p:cNvSpPr txBox="1"/>
+          <p:nvPr/>
+        </p:nvSpPr>
+        <p:spPr>
+          <a:xfrm>
+            <a:off x="2474845" y="586409"/>
+            <a:ext cx="407504" cy="307777"/>
+          </a:xfrm>
+          <a:prstGeom prst="rect">
+            <a:avLst/>
+          </a:prstGeom>
+          <a:noFill/>
+        </p:spPr>
+        <p:txBody>
+          <a:bodyPr wrap="square" rtlCol="0">
+            <a:spAutoFit/>
+          </a:bodyPr>
+          <a:lstStyle/>
+          <a:p>
+            <a:r>
+              <a:rPr lang="en-US" dirty="0" smtClean="0"/>
+              <a:t>(a)</a:t>
+            </a:r>
+            <a:endParaRPr lang="en-US" dirty="0"/>
+          </a:p>
+        </p:txBody>
+      </p:sp>
+      <p:sp>
+        <p:nvSpPr>
+          <p:cNvPr id="8" name="TextBox 7"/>
+          <p:cNvSpPr txBox="1"/>
+          <p:nvPr/>
+        </p:nvSpPr>
+        <p:spPr>
+          <a:xfrm>
+            <a:off x="2458280" y="2617305"/>
+            <a:ext cx="407504" cy="307777"/>
+          </a:xfrm>
+          <a:prstGeom prst="rect">
+            <a:avLst/>
+          </a:prstGeom>
+          <a:noFill/>
+        </p:spPr>
+        <p:txBody>
+          <a:bodyPr wrap="square" rtlCol="0">
+            <a:spAutoFit/>
+          </a:bodyPr>
+          <a:lstStyle/>
+          <a:p>
+            <a:r>
+              <a:rPr lang="en-US" dirty="0" smtClean="0"/>
+              <a:t>(b)</a:t>
+            </a:r>
+            <a:endParaRPr lang="en-US" dirty="0"/>
+          </a:p>
+        </p:txBody>
+      </p:sp>
     </p:spTree>
+    <p:extLst>
+      <p:ext uri="{BB962C8B-B14F-4D97-AF65-F5344CB8AC3E}">
+        <p14:creationId xmlns:p14="http://schemas.microsoft.com/office/powerpoint/2010/main" xmlns="" val="3523528999"/>
+      </p:ext>
+    </p:extLst>
   </p:cSld>
   <p:clrMapOvr>
     <a:masterClrMapping/>
   </p:clrMapOvr>
+  <p:timing>
+    <p:tnLst>
+      <p:par>
+        <p:cTn id="1" dur="indefinite" restart="never" nodeType="tmRoot"/>
+      </p:par>
+    </p:tnLst>
+  </p:timing>
 </p:sld>
 </file>
 
-<file path=ppt/slides/slide6.xml><?xml version="1.0" encoding="utf-8"?>
+<file path=ppt/slides/slide8.xml><?xml version="1.0" encoding="utf-8"?>
 <p:sld xmlns:a="http://schemas.openxmlformats.org/drawingml/2006/main" xmlns:r="http://schemas.openxmlformats.org/officeDocument/2006/relationships" xmlns:p="http://schemas.openxmlformats.org/presentationml/2006/main">
   <p:cSld>
     <p:spTree>
       <p:nvGrpSpPr>
-        <p:cNvPr id="1" name="Shape 78"/>
+        <p:cNvPr id="1" name=""/>
         <p:cNvGrpSpPr/>
         <p:nvPr/>
       </p:nvGrpSpPr>
@@ -7114,268 +8360,258 @@
       </p:grpSpPr>
       <p:sp>
         <p:nvSpPr>
-          <p:cNvPr id="79" name="Google Shape;79;p17"/>
-          <p:cNvSpPr txBox="1">
+          <p:cNvPr id="2" name="Title 1"/>
+          <p:cNvSpPr>
             <a:spLocks noGrp="1"/>
           </p:cNvSpPr>
           <p:nvPr>
             <p:ph type="title"/>
           </p:nvPr>
         </p:nvSpPr>
-        <p:spPr>
-          <a:xfrm>
-            <a:off x="311700" y="0"/>
-            <a:ext cx="8520600" cy="404037"/>
-          </a:xfrm>
-          <a:prstGeom prst="rect">
-            <a:avLst/>
-          </a:prstGeom>
-        </p:spPr>
+        <p:spPr/>
         <p:txBody>
-          <a:bodyPr spcFirstLastPara="1" wrap="square" lIns="91425" tIns="91425" rIns="91425" bIns="91425" anchor="t" anchorCtr="0">
-            <a:noAutofit/>
-          </a:bodyPr>
+          <a:bodyPr/>
           <a:lstStyle/>
           <a:p>
-            <a:pPr marL="0" lvl="0" indent="0" algn="ctr" rtl="0">
-              <a:spcBef>
-                <a:spcPts val="0"/>
-              </a:spcBef>
-              <a:spcAft>
-                <a:spcPts val="0"/>
-              </a:spcAft>
-              <a:buNone/>
-            </a:pPr>
+            <a:pPr algn="ctr"/>
             <a:r>
-              <a:rPr lang="en" dirty="0"/>
-              <a:t>Findings</a:t>
+              <a:rPr lang="en-US" b="1" dirty="0" smtClean="0">
+                <a:latin typeface="Garamond" pitchFamily="18" charset="0"/>
+              </a:rPr>
+              <a:t>Conclusions</a:t>
             </a:r>
-            <a:endParaRPr dirty="0"/>
+            <a:endParaRPr lang="en-IN" b="1" dirty="0">
+              <a:latin typeface="Garamond" pitchFamily="18" charset="0"/>
+            </a:endParaRPr>
           </a:p>
         </p:txBody>
       </p:sp>
       <p:sp>
         <p:nvSpPr>
-          <p:cNvPr id="80" name="Google Shape;80;p17"/>
-          <p:cNvSpPr txBox="1">
+          <p:cNvPr id="3" name="Text Placeholder 2"/>
+          <p:cNvSpPr>
             <a:spLocks noGrp="1"/>
           </p:cNvSpPr>
           <p:nvPr>
             <p:ph type="body" idx="1"/>
           </p:nvPr>
         </p:nvSpPr>
-        <p:spPr>
-          <a:xfrm>
-            <a:off x="311700" y="510362"/>
-            <a:ext cx="8520600" cy="4633137"/>
-          </a:xfrm>
-          <a:prstGeom prst="rect">
-            <a:avLst/>
-          </a:prstGeom>
-        </p:spPr>
+        <p:spPr/>
         <p:txBody>
-          <a:bodyPr spcFirstLastPara="1" wrap="square" lIns="91425" tIns="91425" rIns="91425" bIns="91425" anchor="t" anchorCtr="0">
-            <a:noAutofit/>
-          </a:bodyPr>
+          <a:bodyPr/>
           <a:lstStyle/>
           <a:p>
-            <a:pPr marL="0" lvl="0" indent="0" algn="l" rtl="0">
-              <a:spcBef>
-                <a:spcPts val="0"/>
-              </a:spcBef>
-              <a:spcAft>
-                <a:spcPts val="0"/>
-              </a:spcAft>
-              <a:buNone/>
-            </a:pPr>
-            <a:endParaRPr lang="en-US" dirty="0"/>
-          </a:p>
-          <a:p>
-            <a:pPr marL="0" lvl="0" indent="0" algn="l" rtl="0">
-              <a:spcBef>
-                <a:spcPts val="0"/>
-              </a:spcBef>
-              <a:spcAft>
-                <a:spcPts val="0"/>
-              </a:spcAft>
-              <a:buNone/>
-            </a:pPr>
-            <a:endParaRPr lang="en-US" dirty="0"/>
-          </a:p>
-          <a:p>
-            <a:pPr marL="0" lvl="0" indent="0" algn="l" rtl="0">
-              <a:spcBef>
-                <a:spcPts val="0"/>
-              </a:spcBef>
-              <a:spcAft>
-                <a:spcPts val="0"/>
-              </a:spcAft>
-              <a:buNone/>
-            </a:pPr>
-            <a:endParaRPr lang="en-US" dirty="0"/>
-          </a:p>
-          <a:p>
-            <a:pPr marL="0" lvl="0" indent="0" algn="l" rtl="0">
-              <a:spcBef>
-                <a:spcPts val="0"/>
-              </a:spcBef>
-              <a:spcAft>
-                <a:spcPts val="0"/>
-              </a:spcAft>
-              <a:buNone/>
-            </a:pPr>
-            <a:endParaRPr lang="en-US" dirty="0"/>
-          </a:p>
-          <a:p>
-            <a:pPr marL="0" lvl="0" indent="0" algn="l" rtl="0">
-              <a:spcBef>
-                <a:spcPts val="0"/>
-              </a:spcBef>
-              <a:spcAft>
-                <a:spcPts val="0"/>
-              </a:spcAft>
-              <a:buNone/>
-            </a:pPr>
-            <a:endParaRPr lang="en-US" dirty="0"/>
-          </a:p>
-          <a:p>
-            <a:pPr marL="0" lvl="0" indent="0" algn="l" rtl="0">
-              <a:spcBef>
-                <a:spcPts val="0"/>
-              </a:spcBef>
-              <a:spcAft>
-                <a:spcPts val="0"/>
-              </a:spcAft>
-              <a:buNone/>
-            </a:pPr>
-            <a:endParaRPr lang="en-US" dirty="0"/>
-          </a:p>
-          <a:p>
-            <a:pPr marL="0" lvl="0" indent="0" algn="l" rtl="0">
-              <a:spcBef>
-                <a:spcPts val="0"/>
-              </a:spcBef>
-              <a:spcAft>
-                <a:spcPts val="0"/>
-              </a:spcAft>
-              <a:buNone/>
-            </a:pPr>
-            <a:endParaRPr lang="en-US" dirty="0"/>
-          </a:p>
-          <a:p>
-            <a:pPr marL="0" lvl="0" indent="0" algn="l" rtl="0">
-              <a:spcBef>
-                <a:spcPts val="0"/>
-              </a:spcBef>
-              <a:spcAft>
-                <a:spcPts val="0"/>
-              </a:spcAft>
-              <a:buNone/>
-            </a:pPr>
-            <a:endParaRPr lang="en-US" dirty="0"/>
-          </a:p>
-          <a:p>
-            <a:pPr marL="0" lvl="0" indent="0" algn="l" rtl="0">
-              <a:spcBef>
-                <a:spcPts val="0"/>
-              </a:spcBef>
-              <a:spcAft>
-                <a:spcPts val="0"/>
-              </a:spcAft>
-              <a:buNone/>
-            </a:pPr>
-            <a:endParaRPr lang="en-US" dirty="0"/>
-          </a:p>
-          <a:p>
-            <a:pPr marL="0" lvl="0" indent="0" algn="l" rtl="0">
-              <a:spcBef>
-                <a:spcPts val="0"/>
-              </a:spcBef>
-              <a:spcAft>
-                <a:spcPts val="0"/>
-              </a:spcAft>
-              <a:buNone/>
-            </a:pPr>
             <a:r>
-              <a:rPr lang="en-US" sz="1300" dirty="0"/>
-              <a:t>From these two line charts, we come to know that a girl child was not given the same preferences and education facilities as compared with a boy child until the late 80s. After that we can see a decrease in the number of out of school girls along with the decreasing number in out of school boys. We can see that people’s mentality about a girl child being a burden was slowly changing in the 90s and in the 21</a:t>
+              <a:rPr lang="en-US" dirty="0" smtClean="0">
+                <a:solidFill>
+                  <a:schemeClr val="tx1"/>
+                </a:solidFill>
+                <a:latin typeface="Times New Roman" pitchFamily="18" charset="0"/>
+                <a:cs typeface="Times New Roman" pitchFamily="18" charset="0"/>
+              </a:rPr>
+              <a:t>Prosperity of a nation has  direct link to the literacy rate.  It has been observed that GDP of India has sharply risen owing to its fast growing literacy rate.</a:t>
+            </a:r>
+          </a:p>
+          <a:p>
+            <a:endParaRPr lang="en-IN" dirty="0" smtClean="0">
+              <a:solidFill>
+                <a:schemeClr val="tx1"/>
+              </a:solidFill>
+              <a:latin typeface="Times New Roman" pitchFamily="18" charset="0"/>
+              <a:cs typeface="Times New Roman" pitchFamily="18" charset="0"/>
+            </a:endParaRPr>
+          </a:p>
+          <a:p>
+            <a:r>
+              <a:rPr lang="en-IN" dirty="0" smtClean="0">
+                <a:solidFill>
+                  <a:schemeClr val="tx1"/>
+                </a:solidFill>
+                <a:latin typeface="Times New Roman" pitchFamily="18" charset="0"/>
+                <a:cs typeface="Times New Roman" pitchFamily="18" charset="0"/>
+              </a:rPr>
+              <a:t>Gender biased  </a:t>
             </a:r>
             <a:r>
-              <a:rPr lang="en-US" sz="1300" baseline="30000" dirty="0"/>
+              <a:rPr lang="en-IN" dirty="0">
+                <a:solidFill>
+                  <a:schemeClr val="tx1"/>
+                </a:solidFill>
+                <a:latin typeface="Times New Roman" pitchFamily="18" charset="0"/>
+                <a:cs typeface="Times New Roman" pitchFamily="18" charset="0"/>
+              </a:rPr>
+              <a:t>mentality </a:t>
+            </a:r>
+            <a:r>
+              <a:rPr lang="en-IN" dirty="0" smtClean="0">
+                <a:solidFill>
+                  <a:schemeClr val="tx1"/>
+                </a:solidFill>
+                <a:latin typeface="Times New Roman" pitchFamily="18" charset="0"/>
+                <a:cs typeface="Times New Roman" pitchFamily="18" charset="0"/>
+              </a:rPr>
+              <a:t>of  the society regarding  </a:t>
+            </a:r>
+            <a:r>
+              <a:rPr lang="en-IN" dirty="0">
+                <a:solidFill>
+                  <a:schemeClr val="tx1"/>
+                </a:solidFill>
+                <a:latin typeface="Times New Roman" pitchFamily="18" charset="0"/>
+                <a:cs typeface="Times New Roman" pitchFamily="18" charset="0"/>
+              </a:rPr>
+              <a:t>a girl child being a burden </a:t>
+            </a:r>
+            <a:r>
+              <a:rPr lang="en-IN" dirty="0" smtClean="0">
+                <a:solidFill>
+                  <a:schemeClr val="tx1"/>
+                </a:solidFill>
+                <a:latin typeface="Times New Roman" pitchFamily="18" charset="0"/>
+                <a:cs typeface="Times New Roman" pitchFamily="18" charset="0"/>
+              </a:rPr>
+              <a:t>slowly changed by </a:t>
+            </a:r>
+            <a:r>
+              <a:rPr lang="en-IN" dirty="0">
+                <a:solidFill>
+                  <a:schemeClr val="tx1"/>
+                </a:solidFill>
+                <a:latin typeface="Times New Roman" pitchFamily="18" charset="0"/>
+                <a:cs typeface="Times New Roman" pitchFamily="18" charset="0"/>
+              </a:rPr>
+              <a:t>the 21</a:t>
+            </a:r>
+            <a:r>
+              <a:rPr lang="en-IN" baseline="30000" dirty="0">
+                <a:solidFill>
+                  <a:schemeClr val="tx1"/>
+                </a:solidFill>
+                <a:latin typeface="Times New Roman" pitchFamily="18" charset="0"/>
+                <a:cs typeface="Times New Roman" pitchFamily="18" charset="0"/>
+              </a:rPr>
               <a:t>st</a:t>
             </a:r>
             <a:r>
-              <a:rPr lang="en-US" sz="1300" dirty="0"/>
-              <a:t> century we can see that people begin to see their children as equal if they are boys or girls and were giving equal opportunities to both. We can conclude that the people’s mentality has changed and they consider their children as gift whether it’s a boy or a girl. A big shout out to women empowerment.</a:t>
+              <a:rPr lang="en-IN" dirty="0">
+                <a:solidFill>
+                  <a:schemeClr val="tx1"/>
+                </a:solidFill>
+                <a:latin typeface="Times New Roman" pitchFamily="18" charset="0"/>
+                <a:cs typeface="Times New Roman" pitchFamily="18" charset="0"/>
+              </a:rPr>
+              <a:t> century </a:t>
             </a:r>
-            <a:endParaRPr sz="1300" dirty="0"/>
+            <a:r>
+              <a:rPr lang="en-IN" dirty="0" smtClean="0">
+                <a:solidFill>
+                  <a:schemeClr val="tx1"/>
+                </a:solidFill>
+                <a:latin typeface="Times New Roman" pitchFamily="18" charset="0"/>
+                <a:cs typeface="Times New Roman" pitchFamily="18" charset="0"/>
+              </a:rPr>
+              <a:t>.  It can  be concluded  </a:t>
+            </a:r>
+            <a:r>
+              <a:rPr lang="en-IN" dirty="0">
+                <a:solidFill>
+                  <a:schemeClr val="tx1"/>
+                </a:solidFill>
+                <a:latin typeface="Times New Roman" pitchFamily="18" charset="0"/>
+                <a:cs typeface="Times New Roman" pitchFamily="18" charset="0"/>
+              </a:rPr>
+              <a:t>that people </a:t>
+            </a:r>
+            <a:r>
+              <a:rPr lang="en-IN" dirty="0" smtClean="0">
+                <a:solidFill>
+                  <a:schemeClr val="tx1"/>
+                </a:solidFill>
+                <a:latin typeface="Times New Roman" pitchFamily="18" charset="0"/>
+                <a:cs typeface="Times New Roman" pitchFamily="18" charset="0"/>
+              </a:rPr>
+              <a:t>these days, consider their children </a:t>
+            </a:r>
+            <a:r>
+              <a:rPr lang="en-IN" dirty="0">
+                <a:solidFill>
+                  <a:schemeClr val="tx1"/>
+                </a:solidFill>
+                <a:latin typeface="Times New Roman" pitchFamily="18" charset="0"/>
+                <a:cs typeface="Times New Roman" pitchFamily="18" charset="0"/>
+              </a:rPr>
+              <a:t>as equal </a:t>
+            </a:r>
+            <a:r>
+              <a:rPr lang="en-IN" dirty="0" smtClean="0">
+                <a:solidFill>
+                  <a:schemeClr val="tx1"/>
+                </a:solidFill>
+                <a:latin typeface="Times New Roman" pitchFamily="18" charset="0"/>
+                <a:cs typeface="Times New Roman" pitchFamily="18" charset="0"/>
+              </a:rPr>
+              <a:t>providing  similar education opportunities </a:t>
+            </a:r>
+            <a:r>
+              <a:rPr lang="en-IN" dirty="0">
+                <a:solidFill>
+                  <a:schemeClr val="tx1"/>
+                </a:solidFill>
+                <a:latin typeface="Times New Roman" pitchFamily="18" charset="0"/>
+                <a:cs typeface="Times New Roman" pitchFamily="18" charset="0"/>
+              </a:rPr>
+              <a:t>to both. </a:t>
+            </a:r>
+            <a:r>
+              <a:rPr lang="en-IN" dirty="0" smtClean="0">
+                <a:solidFill>
+                  <a:schemeClr val="tx1"/>
+                </a:solidFill>
+                <a:latin typeface="Times New Roman" pitchFamily="18" charset="0"/>
+                <a:cs typeface="Times New Roman" pitchFamily="18" charset="0"/>
+              </a:rPr>
+              <a:t> Children are considered </a:t>
+            </a:r>
+            <a:r>
+              <a:rPr lang="en-IN" dirty="0">
+                <a:solidFill>
+                  <a:schemeClr val="tx1"/>
+                </a:solidFill>
+                <a:latin typeface="Times New Roman" pitchFamily="18" charset="0"/>
+                <a:cs typeface="Times New Roman" pitchFamily="18" charset="0"/>
+              </a:rPr>
+              <a:t>as </a:t>
+            </a:r>
+            <a:r>
+              <a:rPr lang="en-IN" dirty="0" smtClean="0">
+                <a:solidFill>
+                  <a:schemeClr val="tx1"/>
+                </a:solidFill>
+                <a:latin typeface="Times New Roman" pitchFamily="18" charset="0"/>
+                <a:cs typeface="Times New Roman" pitchFamily="18" charset="0"/>
+              </a:rPr>
+              <a:t>a gift , whether it’s </a:t>
+            </a:r>
+            <a:r>
+              <a:rPr lang="en-IN" dirty="0">
+                <a:solidFill>
+                  <a:schemeClr val="tx1"/>
+                </a:solidFill>
+                <a:latin typeface="Times New Roman" pitchFamily="18" charset="0"/>
+                <a:cs typeface="Times New Roman" pitchFamily="18" charset="0"/>
+              </a:rPr>
+              <a:t>a boy or a girl. A big shout out to women empowerment.</a:t>
+            </a:r>
+          </a:p>
+          <a:p>
+            <a:endParaRPr lang="en-IN" dirty="0"/>
           </a:p>
         </p:txBody>
       </p:sp>
-      <p:pic>
-        <p:nvPicPr>
-          <p:cNvPr id="3" name="Picture 2">
-            <a:extLst>
-              <a:ext uri="{FF2B5EF4-FFF2-40B4-BE49-F238E27FC236}">
-                <a16:creationId xmlns:a16="http://schemas.microsoft.com/office/drawing/2014/main" id="{FBE8D355-29BB-4492-A3FD-265A2CA63136}"/>
-              </a:ext>
-            </a:extLst>
-          </p:cNvPr>
-          <p:cNvPicPr>
-            <a:picLocks noChangeAspect="1"/>
-          </p:cNvPicPr>
-          <p:nvPr/>
-        </p:nvPicPr>
-        <p:blipFill>
-          <a:blip r:embed="rId3"/>
-          <a:stretch>
-            <a:fillRect/>
-          </a:stretch>
-        </p:blipFill>
-        <p:spPr>
-          <a:xfrm>
-            <a:off x="89805" y="404037"/>
-            <a:ext cx="4131321" cy="2931569"/>
-          </a:xfrm>
-          <a:prstGeom prst="rect">
-            <a:avLst/>
-          </a:prstGeom>
-        </p:spPr>
-      </p:pic>
-      <p:pic>
-        <p:nvPicPr>
-          <p:cNvPr id="5" name="Picture 4">
-            <a:extLst>
-              <a:ext uri="{FF2B5EF4-FFF2-40B4-BE49-F238E27FC236}">
-                <a16:creationId xmlns:a16="http://schemas.microsoft.com/office/drawing/2014/main" id="{DA6D38F6-D96A-4295-86DF-7B0FD82C4571}"/>
-              </a:ext>
-            </a:extLst>
-          </p:cNvPr>
-          <p:cNvPicPr>
-            <a:picLocks noChangeAspect="1"/>
-          </p:cNvPicPr>
-          <p:nvPr/>
-        </p:nvPicPr>
-        <p:blipFill>
-          <a:blip r:embed="rId4"/>
-          <a:stretch>
-            <a:fillRect/>
-          </a:stretch>
-        </p:blipFill>
-        <p:spPr>
-          <a:xfrm>
-            <a:off x="4443021" y="404037"/>
-            <a:ext cx="4326114" cy="3069793"/>
-          </a:xfrm>
-          <a:prstGeom prst="rect">
-            <a:avLst/>
-          </a:prstGeom>
-        </p:spPr>
-      </p:pic>
     </p:spTree>
     <p:extLst>
       <p:ext uri="{BB962C8B-B14F-4D97-AF65-F5344CB8AC3E}">
-        <p14:creationId xmlns:p14="http://schemas.microsoft.com/office/powerpoint/2010/main" val="3523528999"/>
+        <p14:creationId xmlns:p14="http://schemas.microsoft.com/office/powerpoint/2010/main" xmlns="" val="3850878286"/>
       </p:ext>
     </p:extLst>
   </p:cSld>
@@ -7385,7 +8621,7 @@
 </p:sld>
 </file>
 
-<file path=ppt/slides/slide7.xml><?xml version="1.0" encoding="utf-8"?>
+<file path=ppt/slides/slide9.xml><?xml version="1.0" encoding="utf-8"?>
 <p:sld xmlns:a="http://schemas.openxmlformats.org/drawingml/2006/main" xmlns:r="http://schemas.openxmlformats.org/officeDocument/2006/relationships" xmlns:p="http://schemas.openxmlformats.org/presentationml/2006/main">
   <p:cSld>
     <p:spTree>
@@ -7437,10 +8673,14 @@
               <a:buNone/>
             </a:pPr>
             <a:r>
-              <a:rPr lang="en" dirty="0"/>
+              <a:rPr lang="en" b="1" dirty="0">
+                <a:latin typeface="Garamond" pitchFamily="18" charset="0"/>
+              </a:rPr>
               <a:t>Acknowledgements</a:t>
             </a:r>
-            <a:endParaRPr dirty="0"/>
+            <a:endParaRPr b="1" dirty="0">
+              <a:latin typeface="Garamond" pitchFamily="18" charset="0"/>
+            </a:endParaRPr>
           </a:p>
         </p:txBody>
       </p:sp>
@@ -7477,12 +8717,47 @@
             <a:endParaRPr lang="en-US" dirty="0"/>
           </a:p>
           <a:p>
-            <a:pPr marL="285750" indent="-285750" algn="ctr"/>
+            <a:pPr marL="285750" indent="-285750"/>
             <a:r>
-              <a:rPr lang="en-US" dirty="0"/>
-              <a:t>Ilkay and Leo for their fantastically designed and taught class.</a:t>
+              <a:rPr lang="en-US" dirty="0">
+                <a:solidFill>
+                  <a:schemeClr val="tx1"/>
+                </a:solidFill>
+                <a:latin typeface="Times New Roman" pitchFamily="18" charset="0"/>
+                <a:cs typeface="Times New Roman" pitchFamily="18" charset="0"/>
+              </a:rPr>
+              <a:t>Ilkay and Leo for their fantastically designed and taught class</a:t>
             </a:r>
-            <a:endParaRPr dirty="0"/>
+            <a:r>
+              <a:rPr lang="en-US" dirty="0" smtClean="0">
+                <a:solidFill>
+                  <a:schemeClr val="tx1"/>
+                </a:solidFill>
+                <a:latin typeface="Times New Roman" pitchFamily="18" charset="0"/>
+                <a:cs typeface="Times New Roman" pitchFamily="18" charset="0"/>
+              </a:rPr>
+              <a:t>.</a:t>
+            </a:r>
+            <a:endParaRPr lang="en-US" dirty="0">
+              <a:solidFill>
+                <a:schemeClr val="tx1"/>
+              </a:solidFill>
+              <a:latin typeface="Times New Roman" pitchFamily="18" charset="0"/>
+              <a:cs typeface="Times New Roman" pitchFamily="18" charset="0"/>
+            </a:endParaRPr>
+          </a:p>
+          <a:p>
+            <a:pPr marL="285750" indent="-285750"/>
+            <a:r>
+              <a:rPr lang="en-US" dirty="0" smtClean="0">
+                <a:solidFill>
+                  <a:schemeClr val="tx1"/>
+                </a:solidFill>
+                <a:latin typeface="Times New Roman" pitchFamily="18" charset="0"/>
+                <a:cs typeface="Times New Roman" pitchFamily="18" charset="0"/>
+              </a:rPr>
+              <a:t>My wife for her suggestions in my presentation.</a:t>
+            </a:r>
           </a:p>
         </p:txBody>
       </p:sp>
@@ -7491,155 +8766,13 @@
   <p:clrMapOvr>
     <a:masterClrMapping/>
   </p:clrMapOvr>
-</p:sld>
-</file>
-
-<file path=ppt/slides/slide8.xml><?xml version="1.0" encoding="utf-8"?>
-<p:sld xmlns:a="http://schemas.openxmlformats.org/drawingml/2006/main" xmlns:r="http://schemas.openxmlformats.org/officeDocument/2006/relationships" xmlns:p="http://schemas.openxmlformats.org/presentationml/2006/main">
-  <p:cSld>
-    <p:spTree>
-      <p:nvGrpSpPr>
-        <p:cNvPr id="1" name="Shape 90"/>
-        <p:cNvGrpSpPr/>
-        <p:nvPr/>
-      </p:nvGrpSpPr>
-      <p:grpSpPr>
-        <a:xfrm>
-          <a:off x="0" y="0"/>
-          <a:ext cx="0" cy="0"/>
-          <a:chOff x="0" y="0"/>
-          <a:chExt cx="0" cy="0"/>
-        </a:xfrm>
-      </p:grpSpPr>
-      <p:sp>
-        <p:nvSpPr>
-          <p:cNvPr id="91" name="Google Shape;91;p19"/>
-          <p:cNvSpPr txBox="1">
-            <a:spLocks noGrp="1"/>
-          </p:cNvSpPr>
-          <p:nvPr>
-            <p:ph type="title"/>
-          </p:nvPr>
-        </p:nvSpPr>
-        <p:spPr>
-          <a:xfrm>
-            <a:off x="311700" y="445025"/>
-            <a:ext cx="8520600" cy="572700"/>
-          </a:xfrm>
-          <a:prstGeom prst="rect">
-            <a:avLst/>
-          </a:prstGeom>
-        </p:spPr>
-        <p:txBody>
-          <a:bodyPr spcFirstLastPara="1" wrap="square" lIns="91425" tIns="91425" rIns="91425" bIns="91425" anchor="t" anchorCtr="0">
-            <a:noAutofit/>
-          </a:bodyPr>
-          <a:lstStyle/>
-          <a:p>
-            <a:pPr marL="0" lvl="0" indent="0" algn="ctr" rtl="0">
-              <a:spcBef>
-                <a:spcPts val="0"/>
-              </a:spcBef>
-              <a:spcAft>
-                <a:spcPts val="0"/>
-              </a:spcAft>
-              <a:buNone/>
-            </a:pPr>
-            <a:r>
-              <a:rPr lang="en" dirty="0"/>
-              <a:t>References</a:t>
-            </a:r>
-            <a:endParaRPr dirty="0"/>
-          </a:p>
-        </p:txBody>
-      </p:sp>
-      <p:sp>
-        <p:nvSpPr>
-          <p:cNvPr id="92" name="Google Shape;92;p19"/>
-          <p:cNvSpPr txBox="1">
-            <a:spLocks noGrp="1"/>
-          </p:cNvSpPr>
-          <p:nvPr>
-            <p:ph type="body" idx="1"/>
-          </p:nvPr>
-        </p:nvSpPr>
-        <p:spPr>
-          <a:xfrm>
-            <a:off x="311700" y="1152475"/>
-            <a:ext cx="8520600" cy="3416400"/>
-          </a:xfrm>
-          <a:prstGeom prst="rect">
-            <a:avLst/>
-          </a:prstGeom>
-        </p:spPr>
-        <p:txBody>
-          <a:bodyPr spcFirstLastPara="1" wrap="square" lIns="91425" tIns="91425" rIns="91425" bIns="91425" anchor="t" anchorCtr="0">
-            <a:noAutofit/>
-          </a:bodyPr>
-          <a:lstStyle/>
-          <a:p>
-            <a:pPr marL="285750" indent="-285750">
-              <a:spcAft>
-                <a:spcPts val="1600"/>
-              </a:spcAft>
-            </a:pPr>
-            <a:r>
-              <a:rPr lang="en-US" dirty="0"/>
-              <a:t>Things I have learned throughout this class</a:t>
-            </a:r>
-          </a:p>
-          <a:p>
-            <a:pPr marL="285750" indent="-285750">
-              <a:spcAft>
-                <a:spcPts val="1600"/>
-              </a:spcAft>
-            </a:pPr>
-            <a:r>
-              <a:rPr lang="en-US" dirty="0"/>
-              <a:t>Pandas Documentation </a:t>
-            </a:r>
-            <a:r>
-              <a:rPr lang="en-US" dirty="0">
-                <a:hlinkClick r:id="rId3"/>
-              </a:rPr>
-              <a:t>https://pandas.pydata.org/pandas-docs/stable/</a:t>
-            </a:r>
-            <a:endParaRPr lang="en-US" dirty="0"/>
-          </a:p>
-          <a:p>
-            <a:pPr marL="285750" indent="-285750">
-              <a:spcAft>
-                <a:spcPts val="1600"/>
-              </a:spcAft>
-            </a:pPr>
-            <a:r>
-              <a:rPr lang="en-US" dirty="0"/>
-              <a:t>Matplotlib Documentation </a:t>
-            </a:r>
-            <a:r>
-              <a:rPr lang="en-US" dirty="0">
-                <a:hlinkClick r:id="rId4"/>
-              </a:rPr>
-              <a:t>https://matplotlib.org/contents.html</a:t>
-            </a:r>
-            <a:endParaRPr lang="en-US" dirty="0"/>
-          </a:p>
-          <a:p>
-            <a:pPr marL="0" indent="0">
-              <a:spcAft>
-                <a:spcPts val="1600"/>
-              </a:spcAft>
-              <a:buNone/>
-            </a:pPr>
-            <a:endParaRPr dirty="0"/>
-          </a:p>
-        </p:txBody>
-      </p:sp>
-    </p:spTree>
-  </p:cSld>
-  <p:clrMapOvr>
-    <a:masterClrMapping/>
-  </p:clrMapOvr>
+  <p:timing>
+    <p:tnLst>
+      <p:par>
+        <p:cTn id="1" dur="indefinite" restart="never" nodeType="tmRoot"/>
+      </p:par>
+    </p:tnLst>
+  </p:timing>
 </p:sld>
 </file>
 
